--- a/angularjs/slides/a3_nodetools.pptx
+++ b/angularjs/slides/a3_nodetools.pptx
@@ -5,15 +5,28 @@
     <p:sldMasterId id="2147483772" r:id="rId1"/>
   </p:sldMasterIdLst>
   <p:notesMasterIdLst>
-    <p:notesMasterId r:id="rId5"/>
+    <p:notesMasterId r:id="rId18"/>
   </p:notesMasterIdLst>
   <p:handoutMasterIdLst>
-    <p:handoutMasterId r:id="rId6"/>
+    <p:handoutMasterId r:id="rId19"/>
   </p:handoutMasterIdLst>
   <p:sldIdLst>
     <p:sldId id="327" r:id="rId2"/>
-    <p:sldId id="346" r:id="rId3"/>
-    <p:sldId id="345" r:id="rId4"/>
+    <p:sldId id="349" r:id="rId3"/>
+    <p:sldId id="346" r:id="rId4"/>
+    <p:sldId id="347" r:id="rId5"/>
+    <p:sldId id="348" r:id="rId6"/>
+    <p:sldId id="350" r:id="rId7"/>
+    <p:sldId id="351" r:id="rId8"/>
+    <p:sldId id="352" r:id="rId9"/>
+    <p:sldId id="353" r:id="rId10"/>
+    <p:sldId id="354" r:id="rId11"/>
+    <p:sldId id="355" r:id="rId12"/>
+    <p:sldId id="356" r:id="rId13"/>
+    <p:sldId id="357" r:id="rId14"/>
+    <p:sldId id="358" r:id="rId15"/>
+    <p:sldId id="359" r:id="rId16"/>
+    <p:sldId id="345" r:id="rId17"/>
   </p:sldIdLst>
   <p:sldSz cx="9144000" cy="6858000" type="screen4x3"/>
   <p:notesSz cx="7302500" cy="9588500"/>
@@ -902,6 +915,96 @@
     <p:extLst>
       <p:ext uri="{BB962C8B-B14F-4D97-AF65-F5344CB8AC3E}">
         <p14:creationId xmlns:p14="http://schemas.microsoft.com/office/powerpoint/2010/main" val="1495744"/>
+      </p:ext>
+    </p:extLst>
+  </p:cSld>
+  <p:clrMapOvr>
+    <a:masterClrMapping/>
+  </p:clrMapOvr>
+</p:notes>
+</file>
+
+<file path=ppt/notesSlides/notesSlide2.xml><?xml version="1.0" encoding="utf-8"?>
+<p:notes xmlns:a="http://schemas.openxmlformats.org/drawingml/2006/main" xmlns:r="http://schemas.openxmlformats.org/officeDocument/2006/relationships" xmlns:p="http://schemas.openxmlformats.org/presentationml/2006/main">
+  <p:cSld>
+    <p:spTree>
+      <p:nvGrpSpPr>
+        <p:cNvPr id="1" name=""/>
+        <p:cNvGrpSpPr/>
+        <p:nvPr/>
+      </p:nvGrpSpPr>
+      <p:grpSpPr>
+        <a:xfrm>
+          <a:off x="0" y="0"/>
+          <a:ext cx="0" cy="0"/>
+          <a:chOff x="0" y="0"/>
+          <a:chExt cx="0" cy="0"/>
+        </a:xfrm>
+      </p:grpSpPr>
+      <p:sp>
+        <p:nvSpPr>
+          <p:cNvPr id="2" name="Slide Image Placeholder 1"/>
+          <p:cNvSpPr>
+            <a:spLocks noGrp="1" noRot="1" noChangeAspect="1"/>
+          </p:cNvSpPr>
+          <p:nvPr>
+            <p:ph type="sldImg"/>
+          </p:nvPr>
+        </p:nvSpPr>
+        <p:spPr/>
+      </p:sp>
+      <p:sp>
+        <p:nvSpPr>
+          <p:cNvPr id="3" name="Notes Placeholder 2"/>
+          <p:cNvSpPr>
+            <a:spLocks noGrp="1"/>
+          </p:cNvSpPr>
+          <p:nvPr>
+            <p:ph type="body" idx="1"/>
+          </p:nvPr>
+        </p:nvSpPr>
+        <p:spPr/>
+        <p:txBody>
+          <a:bodyPr/>
+          <a:lstStyle/>
+          <a:p>
+            <a:endParaRPr lang="en-US" dirty="0"/>
+          </a:p>
+        </p:txBody>
+      </p:sp>
+      <p:sp>
+        <p:nvSpPr>
+          <p:cNvPr id="4" name="Slide Number Placeholder 3"/>
+          <p:cNvSpPr>
+            <a:spLocks noGrp="1"/>
+          </p:cNvSpPr>
+          <p:nvPr>
+            <p:ph type="sldNum" sz="quarter" idx="10"/>
+          </p:nvPr>
+        </p:nvSpPr>
+        <p:spPr/>
+        <p:txBody>
+          <a:bodyPr/>
+          <a:lstStyle/>
+          <a:p>
+            <a:pPr>
+              <a:defRPr/>
+            </a:pPr>
+            <a:fld id="{11D29CD3-EA91-4B07-8041-33A63E8C46BA}" type="slidenum">
+              <a:rPr lang="en-US" smtClean="0"/>
+              <a:pPr>
+                <a:defRPr/>
+              </a:pPr>
+              <a:t>4</a:t>
+            </a:fld>
+            <a:endParaRPr lang="en-US"/>
+          </a:p>
+        </p:txBody>
+      </p:sp>
+    </p:spTree>
+    <p:extLst>
+      <p:ext uri="{BB962C8B-B14F-4D97-AF65-F5344CB8AC3E}">
+        <p14:creationId xmlns:p14="http://schemas.microsoft.com/office/powerpoint/2010/main" val="4058162173"/>
       </p:ext>
     </p:extLst>
   </p:cSld>
@@ -2444,8 +2547,8 @@
               <a:t>Node Tools For Front End </a:t>
             </a:r>
             <a:r>
-              <a:rPr lang="en-US" dirty="0" err="1" smtClean="0"/>
-              <a:t>Devs</a:t>
+              <a:rPr lang="en-US" dirty="0" smtClean="0"/>
+              <a:t>Developers</a:t>
             </a:r>
             <a:endParaRPr lang="en-US" dirty="0" smtClean="0"/>
           </a:p>
@@ -2453,14 +2556,14 @@
       </p:sp>
       <p:pic>
         <p:nvPicPr>
-          <p:cNvPr id="4" name="Picture 2" descr="http://angularjs.org/img/AngularJS-large.png"/>
+          <p:cNvPr id="1028" name="Picture 4" descr="http://www.optis.be/wp-content/uploads/2014/04/yeoman.png"/>
           <p:cNvPicPr>
             <a:picLocks noChangeAspect="1" noChangeArrowheads="1"/>
           </p:cNvPicPr>
           <p:nvPr/>
         </p:nvPicPr>
         <p:blipFill>
-          <a:blip r:embed="rId3">
+          <a:blip r:embed="rId3" cstate="print">
             <a:extLst>
               <a:ext uri="{28A0092B-C50C-407E-A947-70E740481C1C}">
                 <a14:useLocalDpi xmlns:a14="http://schemas.microsoft.com/office/drawing/2010/main" val="0"/>
@@ -2474,8 +2577,8 @@
         </p:blipFill>
         <p:spPr bwMode="auto">
           <a:xfrm>
-            <a:off x="685802" y="5610227"/>
-            <a:ext cx="3648075" cy="1028701"/>
+            <a:off x="3810000" y="4018120"/>
+            <a:ext cx="3578225" cy="1439069"/>
           </a:xfrm>
           <a:prstGeom prst="rect">
             <a:avLst/>
@@ -2494,14 +2597,14 @@
       </p:pic>
       <p:pic>
         <p:nvPicPr>
-          <p:cNvPr id="1028" name="Picture 4" descr="http://www.optis.be/wp-content/uploads/2014/04/yeoman.png"/>
+          <p:cNvPr id="2050" name="Picture 2" descr="npm"/>
           <p:cNvPicPr>
             <a:picLocks noChangeAspect="1" noChangeArrowheads="1"/>
           </p:cNvPicPr>
           <p:nvPr/>
         </p:nvPicPr>
         <p:blipFill>
-          <a:blip r:embed="rId4" cstate="print">
+          <a:blip r:embed="rId4">
             <a:extLst>
               <a:ext uri="{28A0092B-C50C-407E-A947-70E740481C1C}">
                 <a14:useLocalDpi xmlns:a14="http://schemas.microsoft.com/office/drawing/2010/main" val="0"/>
@@ -2515,8 +2618,49 @@
         </p:blipFill>
         <p:spPr bwMode="auto">
           <a:xfrm>
-            <a:off x="3581400" y="3733800"/>
-            <a:ext cx="3578225" cy="1439069"/>
+            <a:off x="1295400" y="4191000"/>
+            <a:ext cx="2435225" cy="949644"/>
+          </a:xfrm>
+          <a:prstGeom prst="rect">
+            <a:avLst/>
+          </a:prstGeom>
+          <a:noFill/>
+          <a:extLst>
+            <a:ext uri="{909E8E84-426E-40DD-AFC4-6F175D3DCCD1}">
+              <a14:hiddenFill xmlns:a14="http://schemas.microsoft.com/office/drawing/2010/main">
+                <a:solidFill>
+                  <a:srgbClr val="FFFFFF"/>
+                </a:solidFill>
+              </a14:hiddenFill>
+            </a:ext>
+          </a:extLst>
+        </p:spPr>
+      </p:pic>
+      <p:pic>
+        <p:nvPicPr>
+          <p:cNvPr id="2052" name="Picture 4" descr="https://raw2.github.com/gulpjs/artwork/master/gulp-2x.png"/>
+          <p:cNvPicPr>
+            <a:picLocks noChangeAspect="1" noChangeArrowheads="1"/>
+          </p:cNvPicPr>
+          <p:nvPr/>
+        </p:nvPicPr>
+        <p:blipFill>
+          <a:blip r:embed="rId5" cstate="print">
+            <a:extLst>
+              <a:ext uri="{28A0092B-C50C-407E-A947-70E740481C1C}">
+                <a14:useLocalDpi xmlns:a14="http://schemas.microsoft.com/office/drawing/2010/main" val="0"/>
+              </a:ext>
+            </a:extLst>
+          </a:blip>
+          <a:srcRect/>
+          <a:stretch>
+            <a:fillRect/>
+          </a:stretch>
+        </p:blipFill>
+        <p:spPr bwMode="auto">
+          <a:xfrm>
+            <a:off x="7467600" y="3637120"/>
+            <a:ext cx="736575" cy="1660525"/>
           </a:xfrm>
           <a:prstGeom prst="rect">
             <a:avLst/>
@@ -2551,7 +2695,7 @@
 </p:sld>
 </file>
 
-<file path=ppt/slides/slide2.xml><?xml version="1.0" encoding="utf-8"?>
+<file path=ppt/slides/slide10.xml><?xml version="1.0" encoding="utf-8"?>
 <p:sld xmlns:a="http://schemas.openxmlformats.org/drawingml/2006/main" xmlns:r="http://schemas.openxmlformats.org/officeDocument/2006/relationships" xmlns:p="http://schemas.openxmlformats.org/presentationml/2006/main">
   <p:cSld>
     <p:spTree>
@@ -2583,66 +2727,46 @@
           <a:bodyPr/>
           <a:lstStyle/>
           <a:p>
-            <a:endParaRPr lang="en-US"/>
+            <a:r>
+              <a:rPr lang="en-US" dirty="0" smtClean="0"/>
+              <a:t>Installation via </a:t>
+            </a:r>
+            <a:r>
+              <a:rPr lang="en-US" dirty="0" err="1" smtClean="0"/>
+              <a:t>npm</a:t>
+            </a:r>
+            <a:endParaRPr lang="en-US" dirty="0"/>
           </a:p>
         </p:txBody>
       </p:sp>
-      <p:sp>
-        <p:nvSpPr>
-          <p:cNvPr id="3" name="Text Placeholder 2"/>
-          <p:cNvSpPr>
-            <a:spLocks noGrp="1"/>
-          </p:cNvSpPr>
-          <p:nvPr>
-            <p:ph type="body" idx="1"/>
-          </p:nvPr>
-        </p:nvSpPr>
-        <p:spPr/>
-        <p:txBody>
-          <a:bodyPr/>
-          <a:lstStyle/>
-          <a:p>
-            <a:r>
-              <a:rPr lang="en-US" dirty="0" smtClean="0"/>
-              <a:t>Grunt and Gulp</a:t>
-            </a:r>
-          </a:p>
-          <a:p>
-            <a:r>
-              <a:rPr lang="en-US" dirty="0" smtClean="0"/>
-              <a:t>Bower</a:t>
-            </a:r>
-          </a:p>
-          <a:p>
-            <a:r>
-              <a:rPr lang="en-US" dirty="0" err="1" smtClean="0"/>
-              <a:t>Yo</a:t>
-            </a:r>
-            <a:endParaRPr lang="en-US" dirty="0" smtClean="0"/>
-          </a:p>
-          <a:p>
-            <a:r>
-              <a:rPr lang="en-US" dirty="0" err="1" smtClean="0"/>
-              <a:t>Traceur</a:t>
-            </a:r>
-            <a:endParaRPr lang="en-US" dirty="0" smtClean="0"/>
-          </a:p>
-          <a:p>
-            <a:r>
-              <a:rPr lang="en-US" dirty="0" err="1" smtClean="0"/>
-              <a:t>Jshint</a:t>
-            </a:r>
-            <a:endParaRPr lang="en-US" smtClean="0"/>
-          </a:p>
-          <a:p>
-            <a:endParaRPr lang="en-US"/>
-          </a:p>
-        </p:txBody>
-      </p:sp>
+      <p:pic>
+        <p:nvPicPr>
+          <p:cNvPr id="7" name="Picture 6"/>
+          <p:cNvPicPr>
+            <a:picLocks noChangeAspect="1"/>
+          </p:cNvPicPr>
+          <p:nvPr/>
+        </p:nvPicPr>
+        <p:blipFill>
+          <a:blip r:embed="rId2"/>
+          <a:stretch>
+            <a:fillRect/>
+          </a:stretch>
+        </p:blipFill>
+        <p:spPr>
+          <a:xfrm>
+            <a:off x="1347787" y="1143000"/>
+            <a:ext cx="6448425" cy="4695825"/>
+          </a:xfrm>
+          <a:prstGeom prst="rect">
+            <a:avLst/>
+          </a:prstGeom>
+        </p:spPr>
+      </p:pic>
     </p:spTree>
     <p:extLst>
       <p:ext uri="{BB962C8B-B14F-4D97-AF65-F5344CB8AC3E}">
-        <p14:creationId xmlns:p14="http://schemas.microsoft.com/office/powerpoint/2010/main" val="1758996533"/>
+        <p14:creationId xmlns:p14="http://schemas.microsoft.com/office/powerpoint/2010/main" val="3711831870"/>
       </p:ext>
     </p:extLst>
   </p:cSld>
@@ -2652,10 +2776,656 @@
   <p:transition>
     <p:fade/>
   </p:transition>
+  <p:timing>
+    <p:tnLst>
+      <p:par>
+        <p:cTn id="1" dur="indefinite" restart="never" nodeType="tmRoot"/>
+      </p:par>
+    </p:tnLst>
+  </p:timing>
 </p:sld>
 </file>
 
-<file path=ppt/slides/slide3.xml><?xml version="1.0" encoding="utf-8"?>
+<file path=ppt/slides/slide11.xml><?xml version="1.0" encoding="utf-8"?>
+<p:sld xmlns:a="http://schemas.openxmlformats.org/drawingml/2006/main" xmlns:r="http://schemas.openxmlformats.org/officeDocument/2006/relationships" xmlns:p="http://schemas.openxmlformats.org/presentationml/2006/main">
+  <p:cSld>
+    <p:spTree>
+      <p:nvGrpSpPr>
+        <p:cNvPr id="1" name=""/>
+        <p:cNvGrpSpPr/>
+        <p:nvPr/>
+      </p:nvGrpSpPr>
+      <p:grpSpPr>
+        <a:xfrm>
+          <a:off x="0" y="0"/>
+          <a:ext cx="0" cy="0"/>
+          <a:chOff x="0" y="0"/>
+          <a:chExt cx="0" cy="0"/>
+        </a:xfrm>
+      </p:grpSpPr>
+      <p:sp>
+        <p:nvSpPr>
+          <p:cNvPr id="2" name="Title 1"/>
+          <p:cNvSpPr>
+            <a:spLocks noGrp="1"/>
+          </p:cNvSpPr>
+          <p:nvPr>
+            <p:ph type="title"/>
+          </p:nvPr>
+        </p:nvSpPr>
+        <p:spPr/>
+        <p:txBody>
+          <a:bodyPr/>
+          <a:lstStyle/>
+          <a:p>
+            <a:r>
+              <a:rPr lang="en-US" dirty="0" smtClean="0"/>
+              <a:t>Bower Requires </a:t>
+            </a:r>
+            <a:r>
+              <a:rPr lang="en-US" dirty="0" err="1" smtClean="0"/>
+              <a:t>Git</a:t>
+            </a:r>
+            <a:r>
+              <a:rPr lang="en-US" dirty="0" smtClean="0"/>
+              <a:t> Client</a:t>
+            </a:r>
+            <a:endParaRPr lang="en-US" dirty="0"/>
+          </a:p>
+        </p:txBody>
+      </p:sp>
+      <p:sp>
+        <p:nvSpPr>
+          <p:cNvPr id="3" name="Text Placeholder 2"/>
+          <p:cNvSpPr>
+            <a:spLocks noGrp="1"/>
+          </p:cNvSpPr>
+          <p:nvPr>
+            <p:ph type="body" idx="1"/>
+          </p:nvPr>
+        </p:nvSpPr>
+        <p:spPr/>
+        <p:txBody>
+          <a:bodyPr/>
+          <a:lstStyle/>
+          <a:p>
+            <a:endParaRPr lang="en-US" dirty="0"/>
+          </a:p>
+        </p:txBody>
+      </p:sp>
+      <p:pic>
+        <p:nvPicPr>
+          <p:cNvPr id="4" name="Picture 3"/>
+          <p:cNvPicPr>
+            <a:picLocks noChangeAspect="1"/>
+          </p:cNvPicPr>
+          <p:nvPr/>
+        </p:nvPicPr>
+        <p:blipFill>
+          <a:blip r:embed="rId2"/>
+          <a:stretch>
+            <a:fillRect/>
+          </a:stretch>
+        </p:blipFill>
+        <p:spPr>
+          <a:xfrm>
+            <a:off x="1524000" y="1557337"/>
+            <a:ext cx="6334125" cy="4276725"/>
+          </a:xfrm>
+          <a:prstGeom prst="rect">
+            <a:avLst/>
+          </a:prstGeom>
+        </p:spPr>
+      </p:pic>
+    </p:spTree>
+    <p:extLst>
+      <p:ext uri="{BB962C8B-B14F-4D97-AF65-F5344CB8AC3E}">
+        <p14:creationId xmlns:p14="http://schemas.microsoft.com/office/powerpoint/2010/main" val="2687731864"/>
+      </p:ext>
+    </p:extLst>
+  </p:cSld>
+  <p:clrMapOvr>
+    <a:masterClrMapping/>
+  </p:clrMapOvr>
+  <p:transition>
+    <p:fade/>
+  </p:transition>
+  <p:timing>
+    <p:tnLst>
+      <p:par>
+        <p:cTn id="1" dur="indefinite" restart="never" nodeType="tmRoot"/>
+      </p:par>
+    </p:tnLst>
+  </p:timing>
+</p:sld>
+</file>
+
+<file path=ppt/slides/slide12.xml><?xml version="1.0" encoding="utf-8"?>
+<p:sld xmlns:a="http://schemas.openxmlformats.org/drawingml/2006/main" xmlns:r="http://schemas.openxmlformats.org/officeDocument/2006/relationships" xmlns:p="http://schemas.openxmlformats.org/presentationml/2006/main">
+  <p:cSld>
+    <p:spTree>
+      <p:nvGrpSpPr>
+        <p:cNvPr id="1" name=""/>
+        <p:cNvGrpSpPr/>
+        <p:nvPr/>
+      </p:nvGrpSpPr>
+      <p:grpSpPr>
+        <a:xfrm>
+          <a:off x="0" y="0"/>
+          <a:ext cx="0" cy="0"/>
+          <a:chOff x="0" y="0"/>
+          <a:chExt cx="0" cy="0"/>
+        </a:xfrm>
+      </p:grpSpPr>
+      <p:sp>
+        <p:nvSpPr>
+          <p:cNvPr id="2" name="Title 1"/>
+          <p:cNvSpPr>
+            <a:spLocks noGrp="1"/>
+          </p:cNvSpPr>
+          <p:nvPr>
+            <p:ph type="title"/>
+          </p:nvPr>
+        </p:nvSpPr>
+        <p:spPr/>
+        <p:txBody>
+          <a:bodyPr/>
+          <a:lstStyle/>
+          <a:p>
+            <a:r>
+              <a:rPr lang="en-US" dirty="0"/>
+              <a:t>b</a:t>
+            </a:r>
+            <a:r>
+              <a:rPr lang="en-US" dirty="0" smtClean="0"/>
+              <a:t>ower help</a:t>
+            </a:r>
+            <a:endParaRPr lang="en-US" dirty="0"/>
+          </a:p>
+        </p:txBody>
+      </p:sp>
+      <p:sp>
+        <p:nvSpPr>
+          <p:cNvPr id="3" name="Text Placeholder 2"/>
+          <p:cNvSpPr>
+            <a:spLocks noGrp="1"/>
+          </p:cNvSpPr>
+          <p:nvPr>
+            <p:ph type="body" idx="1"/>
+          </p:nvPr>
+        </p:nvSpPr>
+        <p:spPr/>
+        <p:txBody>
+          <a:bodyPr/>
+          <a:lstStyle/>
+          <a:p>
+            <a:r>
+              <a:rPr lang="en-US" dirty="0"/>
+              <a:t>b</a:t>
+            </a:r>
+            <a:r>
+              <a:rPr lang="en-US" dirty="0" smtClean="0"/>
+              <a:t>ower </a:t>
+            </a:r>
+            <a:r>
+              <a:rPr lang="en-US" dirty="0" err="1" smtClean="0"/>
+              <a:t>init</a:t>
+            </a:r>
+            <a:endParaRPr lang="en-US" dirty="0" smtClean="0"/>
+          </a:p>
+          <a:p>
+            <a:r>
+              <a:rPr lang="en-US" dirty="0" smtClean="0"/>
+              <a:t>bower install &lt;package&gt; --save (or --save-</a:t>
+            </a:r>
+            <a:r>
+              <a:rPr lang="en-US" dirty="0" err="1" smtClean="0"/>
+              <a:t>dev</a:t>
+            </a:r>
+            <a:r>
+              <a:rPr lang="en-US" dirty="0" smtClean="0"/>
+              <a:t>)</a:t>
+            </a:r>
+          </a:p>
+          <a:p>
+            <a:r>
+              <a:rPr lang="en-US" dirty="0"/>
+              <a:t>b</a:t>
+            </a:r>
+            <a:r>
+              <a:rPr lang="en-US" dirty="0" smtClean="0"/>
+              <a:t>ower install</a:t>
+            </a:r>
+          </a:p>
+          <a:p>
+            <a:r>
+              <a:rPr lang="en-US" dirty="0" smtClean="0"/>
+              <a:t>bower update</a:t>
+            </a:r>
+          </a:p>
+          <a:p>
+            <a:endParaRPr lang="en-US" dirty="0"/>
+          </a:p>
+        </p:txBody>
+      </p:sp>
+      <p:pic>
+        <p:nvPicPr>
+          <p:cNvPr id="4" name="Picture 3"/>
+          <p:cNvPicPr>
+            <a:picLocks noChangeAspect="1"/>
+          </p:cNvPicPr>
+          <p:nvPr/>
+        </p:nvPicPr>
+        <p:blipFill>
+          <a:blip r:embed="rId2"/>
+          <a:stretch>
+            <a:fillRect/>
+          </a:stretch>
+        </p:blipFill>
+        <p:spPr>
+          <a:xfrm>
+            <a:off x="4114800" y="2286000"/>
+            <a:ext cx="4743450" cy="4350680"/>
+          </a:xfrm>
+          <a:prstGeom prst="rect">
+            <a:avLst/>
+          </a:prstGeom>
+        </p:spPr>
+      </p:pic>
+    </p:spTree>
+    <p:extLst>
+      <p:ext uri="{BB962C8B-B14F-4D97-AF65-F5344CB8AC3E}">
+        <p14:creationId xmlns:p14="http://schemas.microsoft.com/office/powerpoint/2010/main" val="1738395942"/>
+      </p:ext>
+    </p:extLst>
+  </p:cSld>
+  <p:clrMapOvr>
+    <a:masterClrMapping/>
+  </p:clrMapOvr>
+  <p:transition>
+    <p:fade/>
+  </p:transition>
+  <p:timing>
+    <p:tnLst>
+      <p:par>
+        <p:cTn id="1" dur="indefinite" restart="never" nodeType="tmRoot"/>
+      </p:par>
+    </p:tnLst>
+  </p:timing>
+</p:sld>
+</file>
+
+<file path=ppt/slides/slide13.xml><?xml version="1.0" encoding="utf-8"?>
+<p:sld xmlns:a="http://schemas.openxmlformats.org/drawingml/2006/main" xmlns:r="http://schemas.openxmlformats.org/officeDocument/2006/relationships" xmlns:p="http://schemas.openxmlformats.org/presentationml/2006/main">
+  <p:cSld>
+    <p:spTree>
+      <p:nvGrpSpPr>
+        <p:cNvPr id="1" name=""/>
+        <p:cNvGrpSpPr/>
+        <p:nvPr/>
+      </p:nvGrpSpPr>
+      <p:grpSpPr>
+        <a:xfrm>
+          <a:off x="0" y="0"/>
+          <a:ext cx="0" cy="0"/>
+          <a:chOff x="0" y="0"/>
+          <a:chExt cx="0" cy="0"/>
+        </a:xfrm>
+      </p:grpSpPr>
+      <p:sp>
+        <p:nvSpPr>
+          <p:cNvPr id="2" name="Title 1"/>
+          <p:cNvSpPr>
+            <a:spLocks noGrp="1"/>
+          </p:cNvSpPr>
+          <p:nvPr>
+            <p:ph type="title"/>
+          </p:nvPr>
+        </p:nvSpPr>
+        <p:spPr/>
+        <p:txBody>
+          <a:bodyPr/>
+          <a:lstStyle/>
+          <a:p>
+            <a:r>
+              <a:rPr lang="en-US" dirty="0" smtClean="0"/>
+              <a:t>Task Runner - Grunt</a:t>
+            </a:r>
+            <a:endParaRPr lang="en-US" dirty="0"/>
+          </a:p>
+        </p:txBody>
+      </p:sp>
+      <p:sp>
+        <p:nvSpPr>
+          <p:cNvPr id="3" name="Text Placeholder 2"/>
+          <p:cNvSpPr>
+            <a:spLocks noGrp="1"/>
+          </p:cNvSpPr>
+          <p:nvPr>
+            <p:ph type="body" idx="1"/>
+          </p:nvPr>
+        </p:nvSpPr>
+        <p:spPr/>
+        <p:txBody>
+          <a:bodyPr/>
+          <a:lstStyle/>
+          <a:p>
+            <a:r>
+              <a:rPr lang="en-US" dirty="0" smtClean="0"/>
+              <a:t>Automation, automation, automation</a:t>
+            </a:r>
+          </a:p>
+          <a:p>
+            <a:r>
+              <a:rPr lang="en-US" dirty="0" smtClean="0"/>
+              <a:t>Installed in two pieces</a:t>
+            </a:r>
+          </a:p>
+          <a:p>
+            <a:pPr lvl="1"/>
+            <a:r>
+              <a:rPr lang="en-US" dirty="0" err="1" smtClean="0"/>
+              <a:t>npm</a:t>
+            </a:r>
+            <a:r>
+              <a:rPr lang="en-US" dirty="0" smtClean="0"/>
+              <a:t> install grunt-cli –g</a:t>
+            </a:r>
+          </a:p>
+          <a:p>
+            <a:pPr lvl="1"/>
+            <a:r>
+              <a:rPr lang="en-US" dirty="0" err="1" smtClean="0"/>
+              <a:t>npm</a:t>
+            </a:r>
+            <a:r>
+              <a:rPr lang="en-US" dirty="0" smtClean="0"/>
+              <a:t> install grunt –save-</a:t>
+            </a:r>
+            <a:r>
+              <a:rPr lang="en-US" dirty="0" err="1" smtClean="0"/>
+              <a:t>dev</a:t>
+            </a:r>
+            <a:endParaRPr lang="en-US" dirty="0"/>
+          </a:p>
+        </p:txBody>
+      </p:sp>
+      <p:pic>
+        <p:nvPicPr>
+          <p:cNvPr id="3074" name="Picture 2" descr="http://gruntjs.com/img/grunt-logo.png"/>
+          <p:cNvPicPr>
+            <a:picLocks noChangeAspect="1" noChangeArrowheads="1"/>
+          </p:cNvPicPr>
+          <p:nvPr/>
+        </p:nvPicPr>
+        <p:blipFill>
+          <a:blip r:embed="rId2">
+            <a:extLst>
+              <a:ext uri="{28A0092B-C50C-407E-A947-70E740481C1C}">
+                <a14:useLocalDpi xmlns:a14="http://schemas.microsoft.com/office/drawing/2010/main" val="0"/>
+              </a:ext>
+            </a:extLst>
+          </a:blip>
+          <a:srcRect/>
+          <a:stretch>
+            <a:fillRect/>
+          </a:stretch>
+        </p:blipFill>
+        <p:spPr bwMode="auto">
+          <a:xfrm>
+            <a:off x="5486400" y="1219200"/>
+            <a:ext cx="3429000" cy="4038601"/>
+          </a:xfrm>
+          <a:prstGeom prst="rect">
+            <a:avLst/>
+          </a:prstGeom>
+          <a:noFill/>
+          <a:extLst>
+            <a:ext uri="{909E8E84-426E-40DD-AFC4-6F175D3DCCD1}">
+              <a14:hiddenFill xmlns:a14="http://schemas.microsoft.com/office/drawing/2010/main">
+                <a:solidFill>
+                  <a:srgbClr val="FFFFFF"/>
+                </a:solidFill>
+              </a14:hiddenFill>
+            </a:ext>
+          </a:extLst>
+        </p:spPr>
+      </p:pic>
+    </p:spTree>
+    <p:extLst>
+      <p:ext uri="{BB962C8B-B14F-4D97-AF65-F5344CB8AC3E}">
+        <p14:creationId xmlns:p14="http://schemas.microsoft.com/office/powerpoint/2010/main" val="2408315308"/>
+      </p:ext>
+    </p:extLst>
+  </p:cSld>
+  <p:clrMapOvr>
+    <a:masterClrMapping/>
+  </p:clrMapOvr>
+  <p:transition>
+    <p:fade/>
+  </p:transition>
+  <p:timing>
+    <p:tnLst>
+      <p:par>
+        <p:cTn id="1" dur="indefinite" restart="never" nodeType="tmRoot"/>
+      </p:par>
+    </p:tnLst>
+  </p:timing>
+</p:sld>
+</file>
+
+<file path=ppt/slides/slide14.xml><?xml version="1.0" encoding="utf-8"?>
+<p:sld xmlns:a="http://schemas.openxmlformats.org/drawingml/2006/main" xmlns:r="http://schemas.openxmlformats.org/officeDocument/2006/relationships" xmlns:p="http://schemas.openxmlformats.org/presentationml/2006/main">
+  <p:cSld>
+    <p:spTree>
+      <p:nvGrpSpPr>
+        <p:cNvPr id="1" name=""/>
+        <p:cNvGrpSpPr/>
+        <p:nvPr/>
+      </p:nvGrpSpPr>
+      <p:grpSpPr>
+        <a:xfrm>
+          <a:off x="0" y="0"/>
+          <a:ext cx="0" cy="0"/>
+          <a:chOff x="0" y="0"/>
+          <a:chExt cx="0" cy="0"/>
+        </a:xfrm>
+      </p:grpSpPr>
+      <p:sp>
+        <p:nvSpPr>
+          <p:cNvPr id="2" name="Title 1"/>
+          <p:cNvSpPr>
+            <a:spLocks noGrp="1"/>
+          </p:cNvSpPr>
+          <p:nvPr>
+            <p:ph type="title"/>
+          </p:nvPr>
+        </p:nvSpPr>
+        <p:spPr/>
+        <p:txBody>
+          <a:bodyPr/>
+          <a:lstStyle/>
+          <a:p>
+            <a:r>
+              <a:rPr lang="en-US" dirty="0" smtClean="0"/>
+              <a:t>Gruntfile.js</a:t>
+            </a:r>
+            <a:endParaRPr lang="en-US" dirty="0"/>
+          </a:p>
+        </p:txBody>
+      </p:sp>
+      <p:sp>
+        <p:nvSpPr>
+          <p:cNvPr id="3" name="Text Placeholder 2"/>
+          <p:cNvSpPr>
+            <a:spLocks noGrp="1"/>
+          </p:cNvSpPr>
+          <p:nvPr>
+            <p:ph type="body" idx="1"/>
+          </p:nvPr>
+        </p:nvSpPr>
+        <p:spPr/>
+        <p:txBody>
+          <a:bodyPr/>
+          <a:lstStyle/>
+          <a:p>
+            <a:r>
+              <a:rPr lang="en-US" dirty="0" smtClean="0"/>
+              <a:t>Configure tasks to execute</a:t>
+            </a:r>
+          </a:p>
+          <a:p>
+            <a:r>
+              <a:rPr lang="en-US" dirty="0" smtClean="0"/>
+              <a:t>Execute grunt</a:t>
+            </a:r>
+          </a:p>
+          <a:p>
+            <a:pPr marL="0" indent="0">
+              <a:buNone/>
+            </a:pPr>
+            <a:endParaRPr lang="en-US" dirty="0"/>
+          </a:p>
+        </p:txBody>
+      </p:sp>
+      <p:pic>
+        <p:nvPicPr>
+          <p:cNvPr id="4" name="Picture 3"/>
+          <p:cNvPicPr>
+            <a:picLocks noChangeAspect="1"/>
+          </p:cNvPicPr>
+          <p:nvPr/>
+        </p:nvPicPr>
+        <p:blipFill>
+          <a:blip r:embed="rId2"/>
+          <a:stretch>
+            <a:fillRect/>
+          </a:stretch>
+        </p:blipFill>
+        <p:spPr>
+          <a:xfrm>
+            <a:off x="1295400" y="2743200"/>
+            <a:ext cx="6638925" cy="2066925"/>
+          </a:xfrm>
+          <a:prstGeom prst="rect">
+            <a:avLst/>
+          </a:prstGeom>
+        </p:spPr>
+      </p:pic>
+    </p:spTree>
+    <p:extLst>
+      <p:ext uri="{BB962C8B-B14F-4D97-AF65-F5344CB8AC3E}">
+        <p14:creationId xmlns:p14="http://schemas.microsoft.com/office/powerpoint/2010/main" val="2888988776"/>
+      </p:ext>
+    </p:extLst>
+  </p:cSld>
+  <p:clrMapOvr>
+    <a:masterClrMapping/>
+  </p:clrMapOvr>
+  <p:transition>
+    <p:fade/>
+  </p:transition>
+  <p:timing>
+    <p:tnLst>
+      <p:par>
+        <p:cTn id="1" dur="indefinite" restart="never" nodeType="tmRoot"/>
+      </p:par>
+    </p:tnLst>
+  </p:timing>
+</p:sld>
+</file>
+
+<file path=ppt/slides/slide15.xml><?xml version="1.0" encoding="utf-8"?>
+<p:sld xmlns:a="http://schemas.openxmlformats.org/drawingml/2006/main" xmlns:r="http://schemas.openxmlformats.org/officeDocument/2006/relationships" xmlns:p="http://schemas.openxmlformats.org/presentationml/2006/main">
+  <p:cSld>
+    <p:spTree>
+      <p:nvGrpSpPr>
+        <p:cNvPr id="1" name=""/>
+        <p:cNvGrpSpPr/>
+        <p:nvPr/>
+      </p:nvGrpSpPr>
+      <p:grpSpPr>
+        <a:xfrm>
+          <a:off x="0" y="0"/>
+          <a:ext cx="0" cy="0"/>
+          <a:chOff x="0" y="0"/>
+          <a:chExt cx="0" cy="0"/>
+        </a:xfrm>
+      </p:grpSpPr>
+      <p:sp>
+        <p:nvSpPr>
+          <p:cNvPr id="2" name="Title 1"/>
+          <p:cNvSpPr>
+            <a:spLocks noGrp="1"/>
+          </p:cNvSpPr>
+          <p:nvPr>
+            <p:ph type="title"/>
+          </p:nvPr>
+        </p:nvSpPr>
+        <p:spPr/>
+        <p:txBody>
+          <a:bodyPr/>
+          <a:lstStyle/>
+          <a:p>
+            <a:r>
+              <a:rPr lang="en-US" dirty="0" err="1" smtClean="0"/>
+              <a:t>Concat</a:t>
+            </a:r>
+            <a:r>
+              <a:rPr lang="en-US" dirty="0" smtClean="0"/>
+              <a:t> + </a:t>
+            </a:r>
+            <a:r>
+              <a:rPr lang="en-US" dirty="0" err="1" smtClean="0"/>
+              <a:t>Uglify</a:t>
+            </a:r>
+            <a:endParaRPr lang="en-US" dirty="0"/>
+          </a:p>
+        </p:txBody>
+      </p:sp>
+      <p:sp>
+        <p:nvSpPr>
+          <p:cNvPr id="3" name="Text Placeholder 2"/>
+          <p:cNvSpPr>
+            <a:spLocks noGrp="1"/>
+          </p:cNvSpPr>
+          <p:nvPr>
+            <p:ph type="body" idx="1"/>
+          </p:nvPr>
+        </p:nvSpPr>
+        <p:spPr/>
+        <p:txBody>
+          <a:bodyPr/>
+          <a:lstStyle/>
+          <a:p>
+            <a:endParaRPr lang="en-US" dirty="0"/>
+          </a:p>
+        </p:txBody>
+      </p:sp>
+    </p:spTree>
+    <p:extLst>
+      <p:ext uri="{BB962C8B-B14F-4D97-AF65-F5344CB8AC3E}">
+        <p14:creationId xmlns:p14="http://schemas.microsoft.com/office/powerpoint/2010/main" val="3027767299"/>
+      </p:ext>
+    </p:extLst>
+  </p:cSld>
+  <p:clrMapOvr>
+    <a:masterClrMapping/>
+  </p:clrMapOvr>
+  <p:transition>
+    <p:fade/>
+  </p:transition>
+  <p:timing>
+    <p:tnLst>
+      <p:par>
+        <p:cTn id="1" dur="indefinite" restart="never" nodeType="tmRoot"/>
+      </p:par>
+    </p:tnLst>
+  </p:timing>
+</p:sld>
+</file>
+
+<file path=ppt/slides/slide16.xml><?xml version="1.0" encoding="utf-8"?>
 <p:sld xmlns:a="http://schemas.openxmlformats.org/drawingml/2006/main" xmlns:r="http://schemas.openxmlformats.org/officeDocument/2006/relationships" xmlns:p="http://schemas.openxmlformats.org/presentationml/2006/main">
   <p:cSld>
     <p:spTree>
@@ -2759,6 +3529,1153 @@
     <p:extLst>
       <p:ext uri="{BB962C8B-B14F-4D97-AF65-F5344CB8AC3E}">
         <p14:creationId xmlns:p14="http://schemas.microsoft.com/office/powerpoint/2010/main" val="711588167"/>
+      </p:ext>
+    </p:extLst>
+  </p:cSld>
+  <p:clrMapOvr>
+    <a:masterClrMapping/>
+  </p:clrMapOvr>
+  <p:transition>
+    <p:fade/>
+  </p:transition>
+  <p:timing>
+    <p:tnLst>
+      <p:par>
+        <p:cTn id="1" dur="indefinite" restart="never" nodeType="tmRoot"/>
+      </p:par>
+    </p:tnLst>
+  </p:timing>
+</p:sld>
+</file>
+
+<file path=ppt/slides/slide2.xml><?xml version="1.0" encoding="utf-8"?>
+<p:sld xmlns:a="http://schemas.openxmlformats.org/drawingml/2006/main" xmlns:r="http://schemas.openxmlformats.org/officeDocument/2006/relationships" xmlns:p="http://schemas.openxmlformats.org/presentationml/2006/main">
+  <p:cSld>
+    <p:spTree>
+      <p:nvGrpSpPr>
+        <p:cNvPr id="1" name=""/>
+        <p:cNvGrpSpPr/>
+        <p:nvPr/>
+      </p:nvGrpSpPr>
+      <p:grpSpPr>
+        <a:xfrm>
+          <a:off x="0" y="0"/>
+          <a:ext cx="0" cy="0"/>
+          <a:chOff x="0" y="0"/>
+          <a:chExt cx="0" cy="0"/>
+        </a:xfrm>
+      </p:grpSpPr>
+      <p:sp>
+        <p:nvSpPr>
+          <p:cNvPr id="2" name="Title 1"/>
+          <p:cNvSpPr>
+            <a:spLocks noGrp="1"/>
+          </p:cNvSpPr>
+          <p:nvPr>
+            <p:ph type="title"/>
+          </p:nvPr>
+        </p:nvSpPr>
+        <p:spPr/>
+        <p:txBody>
+          <a:bodyPr/>
+          <a:lstStyle/>
+          <a:p>
+            <a:r>
+              <a:rPr lang="en-US" dirty="0" smtClean="0"/>
+              <a:t>Why?</a:t>
+            </a:r>
+            <a:endParaRPr lang="en-US" dirty="0"/>
+          </a:p>
+        </p:txBody>
+      </p:sp>
+      <p:pic>
+        <p:nvPicPr>
+          <p:cNvPr id="1026" name="Picture 2" descr="http://www.themeister.se/images/slide2.png"/>
+          <p:cNvPicPr>
+            <a:picLocks noChangeAspect="1" noChangeArrowheads="1"/>
+          </p:cNvPicPr>
+          <p:nvPr/>
+        </p:nvPicPr>
+        <p:blipFill>
+          <a:blip r:embed="rId2">
+            <a:extLst>
+              <a:ext uri="{28A0092B-C50C-407E-A947-70E740481C1C}">
+                <a14:useLocalDpi xmlns:a14="http://schemas.microsoft.com/office/drawing/2010/main" val="0"/>
+              </a:ext>
+            </a:extLst>
+          </a:blip>
+          <a:srcRect/>
+          <a:stretch>
+            <a:fillRect/>
+          </a:stretch>
+        </p:blipFill>
+        <p:spPr bwMode="auto">
+          <a:xfrm>
+            <a:off x="1371600" y="1676400"/>
+            <a:ext cx="6112255" cy="3581400"/>
+          </a:xfrm>
+          <a:prstGeom prst="rect">
+            <a:avLst/>
+          </a:prstGeom>
+          <a:noFill/>
+          <a:extLst>
+            <a:ext uri="{909E8E84-426E-40DD-AFC4-6F175D3DCCD1}">
+              <a14:hiddenFill xmlns:a14="http://schemas.microsoft.com/office/drawing/2010/main">
+                <a:solidFill>
+                  <a:srgbClr val="FFFFFF"/>
+                </a:solidFill>
+              </a14:hiddenFill>
+            </a:ext>
+          </a:extLst>
+        </p:spPr>
+      </p:pic>
+    </p:spTree>
+    <p:extLst>
+      <p:ext uri="{BB962C8B-B14F-4D97-AF65-F5344CB8AC3E}">
+        <p14:creationId xmlns:p14="http://schemas.microsoft.com/office/powerpoint/2010/main" val="353485908"/>
+      </p:ext>
+    </p:extLst>
+  </p:cSld>
+  <p:clrMapOvr>
+    <a:masterClrMapping/>
+  </p:clrMapOvr>
+  <p:transition>
+    <p:fade/>
+  </p:transition>
+  <p:timing>
+    <p:tnLst>
+      <p:par>
+        <p:cTn id="1" dur="indefinite" restart="never" nodeType="tmRoot"/>
+      </p:par>
+    </p:tnLst>
+  </p:timing>
+</p:sld>
+</file>
+
+<file path=ppt/slides/slide3.xml><?xml version="1.0" encoding="utf-8"?>
+<p:sld xmlns:a="http://schemas.openxmlformats.org/drawingml/2006/main" xmlns:r="http://schemas.openxmlformats.org/officeDocument/2006/relationships" xmlns:p="http://schemas.openxmlformats.org/presentationml/2006/main">
+  <p:cSld>
+    <p:spTree>
+      <p:nvGrpSpPr>
+        <p:cNvPr id="1" name=""/>
+        <p:cNvGrpSpPr/>
+        <p:nvPr/>
+      </p:nvGrpSpPr>
+      <p:grpSpPr>
+        <a:xfrm>
+          <a:off x="0" y="0"/>
+          <a:ext cx="0" cy="0"/>
+          <a:chOff x="0" y="0"/>
+          <a:chExt cx="0" cy="0"/>
+        </a:xfrm>
+      </p:grpSpPr>
+      <p:sp>
+        <p:nvSpPr>
+          <p:cNvPr id="2" name="Title 1"/>
+          <p:cNvSpPr>
+            <a:spLocks noGrp="1"/>
+          </p:cNvSpPr>
+          <p:nvPr>
+            <p:ph type="title"/>
+          </p:nvPr>
+        </p:nvSpPr>
+        <p:spPr/>
+        <p:txBody>
+          <a:bodyPr/>
+          <a:lstStyle/>
+          <a:p>
+            <a:endParaRPr lang="en-US"/>
+          </a:p>
+        </p:txBody>
+      </p:sp>
+      <p:pic>
+        <p:nvPicPr>
+          <p:cNvPr id="5" name="Picture 4"/>
+          <p:cNvPicPr>
+            <a:picLocks noChangeAspect="1"/>
+          </p:cNvPicPr>
+          <p:nvPr/>
+        </p:nvPicPr>
+        <p:blipFill>
+          <a:blip r:embed="rId2"/>
+          <a:stretch>
+            <a:fillRect/>
+          </a:stretch>
+        </p:blipFill>
+        <p:spPr>
+          <a:xfrm>
+            <a:off x="914400" y="1219200"/>
+            <a:ext cx="7600825" cy="4438650"/>
+          </a:xfrm>
+          <a:prstGeom prst="rect">
+            <a:avLst/>
+          </a:prstGeom>
+        </p:spPr>
+      </p:pic>
+    </p:spTree>
+    <p:extLst>
+      <p:ext uri="{BB962C8B-B14F-4D97-AF65-F5344CB8AC3E}">
+        <p14:creationId xmlns:p14="http://schemas.microsoft.com/office/powerpoint/2010/main" val="1758996533"/>
+      </p:ext>
+    </p:extLst>
+  </p:cSld>
+  <p:clrMapOvr>
+    <a:masterClrMapping/>
+  </p:clrMapOvr>
+  <p:transition>
+    <p:fade/>
+  </p:transition>
+  <p:timing>
+    <p:tnLst>
+      <p:par>
+        <p:cTn id="1" dur="indefinite" restart="never" nodeType="tmRoot"/>
+      </p:par>
+    </p:tnLst>
+  </p:timing>
+</p:sld>
+</file>
+
+<file path=ppt/slides/slide4.xml><?xml version="1.0" encoding="utf-8"?>
+<p:sld xmlns:a="http://schemas.openxmlformats.org/drawingml/2006/main" xmlns:r="http://schemas.openxmlformats.org/officeDocument/2006/relationships" xmlns:p="http://schemas.openxmlformats.org/presentationml/2006/main">
+  <p:cSld>
+    <p:spTree>
+      <p:nvGrpSpPr>
+        <p:cNvPr id="1" name=""/>
+        <p:cNvGrpSpPr/>
+        <p:nvPr/>
+      </p:nvGrpSpPr>
+      <p:grpSpPr>
+        <a:xfrm>
+          <a:off x="0" y="0"/>
+          <a:ext cx="0" cy="0"/>
+          <a:chOff x="0" y="0"/>
+          <a:chExt cx="0" cy="0"/>
+        </a:xfrm>
+      </p:grpSpPr>
+      <p:sp>
+        <p:nvSpPr>
+          <p:cNvPr id="2" name="Title 1"/>
+          <p:cNvSpPr>
+            <a:spLocks noGrp="1"/>
+          </p:cNvSpPr>
+          <p:nvPr>
+            <p:ph type="title"/>
+          </p:nvPr>
+        </p:nvSpPr>
+        <p:spPr/>
+        <p:txBody>
+          <a:bodyPr/>
+          <a:lstStyle/>
+          <a:p>
+            <a:r>
+              <a:rPr lang="en-US" dirty="0" smtClean="0"/>
+              <a:t>Topics</a:t>
+            </a:r>
+            <a:endParaRPr lang="en-US" dirty="0"/>
+          </a:p>
+        </p:txBody>
+      </p:sp>
+      <p:sp>
+        <p:nvSpPr>
+          <p:cNvPr id="3" name="Text Placeholder 2"/>
+          <p:cNvSpPr>
+            <a:spLocks noGrp="1"/>
+          </p:cNvSpPr>
+          <p:nvPr>
+            <p:ph type="body" idx="1"/>
+          </p:nvPr>
+        </p:nvSpPr>
+        <p:spPr/>
+        <p:txBody>
+          <a:bodyPr/>
+          <a:lstStyle/>
+          <a:p>
+            <a:endParaRPr lang="en-US" dirty="0"/>
+          </a:p>
+        </p:txBody>
+      </p:sp>
+      <p:sp>
+        <p:nvSpPr>
+          <p:cNvPr id="4" name="Rectangle 3"/>
+          <p:cNvSpPr/>
+          <p:nvPr/>
+        </p:nvSpPr>
+        <p:spPr bwMode="auto">
+          <a:xfrm>
+            <a:off x="3310569" y="1660793"/>
+            <a:ext cx="2743200" cy="2743200"/>
+          </a:xfrm>
+          <a:prstGeom prst="rect">
+            <a:avLst/>
+          </a:prstGeom>
+          <a:ln>
+            <a:headEnd/>
+            <a:tailEnd/>
+          </a:ln>
+        </p:spPr>
+        <p:style>
+          <a:lnRef idx="1">
+            <a:schemeClr val="dk1"/>
+          </a:lnRef>
+          <a:fillRef idx="2">
+            <a:schemeClr val="dk1"/>
+          </a:fillRef>
+          <a:effectRef idx="1">
+            <a:schemeClr val="dk1"/>
+          </a:effectRef>
+          <a:fontRef idx="minor">
+            <a:schemeClr val="dk1"/>
+          </a:fontRef>
+        </p:style>
+        <p:txBody>
+          <a:bodyPr wrap="none" rtlCol="0" anchor="ctr"/>
+          <a:lstStyle/>
+          <a:p>
+            <a:pPr algn="ctr"/>
+            <a:r>
+              <a:rPr lang="en-US" sz="2000" dirty="0" smtClean="0">
+                <a:latin typeface="Tekton Pro" pitchFamily="34" charset="0"/>
+              </a:rPr>
+              <a:t>Task Runners</a:t>
+            </a:r>
+            <a:endParaRPr lang="en-US" sz="2000" dirty="0">
+              <a:latin typeface="Tekton Pro" pitchFamily="34" charset="0"/>
+            </a:endParaRPr>
+          </a:p>
+        </p:txBody>
+      </p:sp>
+      <p:sp>
+        <p:nvSpPr>
+          <p:cNvPr id="5" name="Rectangle 4"/>
+          <p:cNvSpPr/>
+          <p:nvPr/>
+        </p:nvSpPr>
+        <p:spPr bwMode="auto">
+          <a:xfrm>
+            <a:off x="305718" y="1660793"/>
+            <a:ext cx="2743200" cy="2743200"/>
+          </a:xfrm>
+          <a:prstGeom prst="rect">
+            <a:avLst/>
+          </a:prstGeom>
+          <a:ln>
+            <a:headEnd/>
+            <a:tailEnd/>
+          </a:ln>
+        </p:spPr>
+        <p:style>
+          <a:lnRef idx="1">
+            <a:schemeClr val="dk1"/>
+          </a:lnRef>
+          <a:fillRef idx="2">
+            <a:schemeClr val="dk1"/>
+          </a:fillRef>
+          <a:effectRef idx="1">
+            <a:schemeClr val="dk1"/>
+          </a:effectRef>
+          <a:fontRef idx="minor">
+            <a:schemeClr val="dk1"/>
+          </a:fontRef>
+        </p:style>
+        <p:txBody>
+          <a:bodyPr wrap="none" rtlCol="0" anchor="ctr"/>
+          <a:lstStyle/>
+          <a:p>
+            <a:pPr algn="ctr"/>
+            <a:r>
+              <a:rPr lang="en-US" sz="2000" dirty="0" smtClean="0">
+                <a:latin typeface="Tekton Pro" pitchFamily="34" charset="0"/>
+              </a:rPr>
+              <a:t>Package Managers</a:t>
+            </a:r>
+            <a:endParaRPr lang="en-US" sz="2000" dirty="0">
+              <a:latin typeface="Tekton Pro" pitchFamily="34" charset="0"/>
+            </a:endParaRPr>
+          </a:p>
+        </p:txBody>
+      </p:sp>
+      <p:sp>
+        <p:nvSpPr>
+          <p:cNvPr id="6" name="Rectangle 5"/>
+          <p:cNvSpPr/>
+          <p:nvPr/>
+        </p:nvSpPr>
+        <p:spPr bwMode="auto">
+          <a:xfrm>
+            <a:off x="6247482" y="1660793"/>
+            <a:ext cx="2743200" cy="2743200"/>
+          </a:xfrm>
+          <a:prstGeom prst="rect">
+            <a:avLst/>
+          </a:prstGeom>
+          <a:ln>
+            <a:headEnd/>
+            <a:tailEnd/>
+          </a:ln>
+        </p:spPr>
+        <p:style>
+          <a:lnRef idx="1">
+            <a:schemeClr val="dk1"/>
+          </a:lnRef>
+          <a:fillRef idx="2">
+            <a:schemeClr val="dk1"/>
+          </a:fillRef>
+          <a:effectRef idx="1">
+            <a:schemeClr val="dk1"/>
+          </a:effectRef>
+          <a:fontRef idx="minor">
+            <a:schemeClr val="dk1"/>
+          </a:fontRef>
+        </p:style>
+        <p:txBody>
+          <a:bodyPr wrap="none" rtlCol="0" anchor="ctr"/>
+          <a:lstStyle/>
+          <a:p>
+            <a:pPr algn="ctr"/>
+            <a:r>
+              <a:rPr lang="en-US" sz="2000" dirty="0" smtClean="0">
+                <a:latin typeface="Tekton Pro" pitchFamily="34" charset="0"/>
+              </a:rPr>
+              <a:t>Generators</a:t>
+            </a:r>
+            <a:endParaRPr lang="en-US" sz="2000" dirty="0">
+              <a:latin typeface="Tekton Pro" pitchFamily="34" charset="0"/>
+            </a:endParaRPr>
+          </a:p>
+        </p:txBody>
+      </p:sp>
+    </p:spTree>
+    <p:extLst>
+      <p:ext uri="{BB962C8B-B14F-4D97-AF65-F5344CB8AC3E}">
+        <p14:creationId xmlns:p14="http://schemas.microsoft.com/office/powerpoint/2010/main" val="1004606542"/>
+      </p:ext>
+    </p:extLst>
+  </p:cSld>
+  <p:clrMapOvr>
+    <a:masterClrMapping/>
+  </p:clrMapOvr>
+  <p:transition>
+    <p:fade/>
+  </p:transition>
+  <p:timing>
+    <p:tnLst>
+      <p:par>
+        <p:cTn id="1" dur="indefinite" restart="never" nodeType="tmRoot"/>
+      </p:par>
+    </p:tnLst>
+  </p:timing>
+</p:sld>
+</file>
+
+<file path=ppt/slides/slide5.xml><?xml version="1.0" encoding="utf-8"?>
+<p:sld xmlns:a="http://schemas.openxmlformats.org/drawingml/2006/main" xmlns:r="http://schemas.openxmlformats.org/officeDocument/2006/relationships" xmlns:p="http://schemas.openxmlformats.org/presentationml/2006/main">
+  <p:cSld>
+    <p:spTree>
+      <p:nvGrpSpPr>
+        <p:cNvPr id="1" name=""/>
+        <p:cNvGrpSpPr/>
+        <p:nvPr/>
+      </p:nvGrpSpPr>
+      <p:grpSpPr>
+        <a:xfrm>
+          <a:off x="0" y="0"/>
+          <a:ext cx="0" cy="0"/>
+          <a:chOff x="0" y="0"/>
+          <a:chExt cx="0" cy="0"/>
+        </a:xfrm>
+      </p:grpSpPr>
+      <p:sp>
+        <p:nvSpPr>
+          <p:cNvPr id="2" name="Title 1"/>
+          <p:cNvSpPr>
+            <a:spLocks noGrp="1"/>
+          </p:cNvSpPr>
+          <p:nvPr>
+            <p:ph type="title"/>
+          </p:nvPr>
+        </p:nvSpPr>
+        <p:spPr/>
+        <p:txBody>
+          <a:bodyPr/>
+          <a:lstStyle/>
+          <a:p>
+            <a:r>
+              <a:rPr lang="en-US" dirty="0" smtClean="0"/>
+              <a:t>Package Management: </a:t>
+            </a:r>
+            <a:r>
+              <a:rPr lang="en-US" dirty="0" err="1" smtClean="0"/>
+              <a:t>npm</a:t>
+            </a:r>
+            <a:endParaRPr lang="en-US" dirty="0"/>
+          </a:p>
+        </p:txBody>
+      </p:sp>
+      <p:sp>
+        <p:nvSpPr>
+          <p:cNvPr id="3" name="Text Placeholder 2"/>
+          <p:cNvSpPr>
+            <a:spLocks noGrp="1"/>
+          </p:cNvSpPr>
+          <p:nvPr>
+            <p:ph type="body" idx="1"/>
+          </p:nvPr>
+        </p:nvSpPr>
+        <p:spPr/>
+        <p:txBody>
+          <a:bodyPr/>
+          <a:lstStyle/>
+          <a:p>
+            <a:r>
+              <a:rPr lang="en-US" dirty="0" err="1" smtClean="0"/>
+              <a:t>npm</a:t>
+            </a:r>
+            <a:r>
+              <a:rPr lang="en-US" dirty="0" smtClean="0"/>
+              <a:t> is the gateway to other tools</a:t>
+            </a:r>
+            <a:endParaRPr lang="en-US" dirty="0"/>
+          </a:p>
+        </p:txBody>
+      </p:sp>
+      <p:pic>
+        <p:nvPicPr>
+          <p:cNvPr id="4" name="Picture 3"/>
+          <p:cNvPicPr>
+            <a:picLocks noChangeAspect="1"/>
+          </p:cNvPicPr>
+          <p:nvPr/>
+        </p:nvPicPr>
+        <p:blipFill>
+          <a:blip r:embed="rId2"/>
+          <a:stretch>
+            <a:fillRect/>
+          </a:stretch>
+        </p:blipFill>
+        <p:spPr>
+          <a:xfrm>
+            <a:off x="2043112" y="2438400"/>
+            <a:ext cx="5057775" cy="2819400"/>
+          </a:xfrm>
+          <a:prstGeom prst="rect">
+            <a:avLst/>
+          </a:prstGeom>
+        </p:spPr>
+      </p:pic>
+    </p:spTree>
+    <p:extLst>
+      <p:ext uri="{BB962C8B-B14F-4D97-AF65-F5344CB8AC3E}">
+        <p14:creationId xmlns:p14="http://schemas.microsoft.com/office/powerpoint/2010/main" val="2704418021"/>
+      </p:ext>
+    </p:extLst>
+  </p:cSld>
+  <p:clrMapOvr>
+    <a:masterClrMapping/>
+  </p:clrMapOvr>
+  <p:transition>
+    <p:fade/>
+  </p:transition>
+  <p:timing>
+    <p:tnLst>
+      <p:par>
+        <p:cTn id="1" dur="indefinite" restart="never" nodeType="tmRoot"/>
+      </p:par>
+    </p:tnLst>
+  </p:timing>
+</p:sld>
+</file>
+
+<file path=ppt/slides/slide6.xml><?xml version="1.0" encoding="utf-8"?>
+<p:sld xmlns:a="http://schemas.openxmlformats.org/drawingml/2006/main" xmlns:r="http://schemas.openxmlformats.org/officeDocument/2006/relationships" xmlns:p="http://schemas.openxmlformats.org/presentationml/2006/main">
+  <p:cSld>
+    <p:spTree>
+      <p:nvGrpSpPr>
+        <p:cNvPr id="1" name=""/>
+        <p:cNvGrpSpPr/>
+        <p:nvPr/>
+      </p:nvGrpSpPr>
+      <p:grpSpPr>
+        <a:xfrm>
+          <a:off x="0" y="0"/>
+          <a:ext cx="0" cy="0"/>
+          <a:chOff x="0" y="0"/>
+          <a:chExt cx="0" cy="0"/>
+        </a:xfrm>
+      </p:grpSpPr>
+      <p:sp>
+        <p:nvSpPr>
+          <p:cNvPr id="2" name="Title 1"/>
+          <p:cNvSpPr>
+            <a:spLocks noGrp="1"/>
+          </p:cNvSpPr>
+          <p:nvPr>
+            <p:ph type="title"/>
+          </p:nvPr>
+        </p:nvSpPr>
+        <p:spPr/>
+        <p:txBody>
+          <a:bodyPr/>
+          <a:lstStyle/>
+          <a:p>
+            <a:r>
+              <a:rPr lang="en-US" dirty="0" err="1"/>
+              <a:t>n</a:t>
+            </a:r>
+            <a:r>
+              <a:rPr lang="en-US" dirty="0" err="1" smtClean="0"/>
+              <a:t>pm</a:t>
+            </a:r>
+            <a:r>
+              <a:rPr lang="en-US" dirty="0" smtClean="0"/>
+              <a:t> – what?</a:t>
+            </a:r>
+            <a:endParaRPr lang="en-US" dirty="0"/>
+          </a:p>
+        </p:txBody>
+      </p:sp>
+      <p:sp>
+        <p:nvSpPr>
+          <p:cNvPr id="3" name="Text Placeholder 2"/>
+          <p:cNvSpPr>
+            <a:spLocks noGrp="1"/>
+          </p:cNvSpPr>
+          <p:nvPr>
+            <p:ph type="body" idx="1"/>
+          </p:nvPr>
+        </p:nvSpPr>
+        <p:spPr/>
+        <p:txBody>
+          <a:bodyPr/>
+          <a:lstStyle/>
+          <a:p>
+            <a:endParaRPr lang="en-US" dirty="0"/>
+          </a:p>
+        </p:txBody>
+      </p:sp>
+      <p:pic>
+        <p:nvPicPr>
+          <p:cNvPr id="5" name="Picture 4"/>
+          <p:cNvPicPr>
+            <a:picLocks noChangeAspect="1"/>
+          </p:cNvPicPr>
+          <p:nvPr/>
+        </p:nvPicPr>
+        <p:blipFill>
+          <a:blip r:embed="rId2"/>
+          <a:stretch>
+            <a:fillRect/>
+          </a:stretch>
+        </p:blipFill>
+        <p:spPr>
+          <a:xfrm>
+            <a:off x="1905000" y="1066800"/>
+            <a:ext cx="5753100" cy="5181600"/>
+          </a:xfrm>
+          <a:prstGeom prst="rect">
+            <a:avLst/>
+          </a:prstGeom>
+        </p:spPr>
+      </p:pic>
+    </p:spTree>
+    <p:extLst>
+      <p:ext uri="{BB962C8B-B14F-4D97-AF65-F5344CB8AC3E}">
+        <p14:creationId xmlns:p14="http://schemas.microsoft.com/office/powerpoint/2010/main" val="2927128449"/>
+      </p:ext>
+    </p:extLst>
+  </p:cSld>
+  <p:clrMapOvr>
+    <a:masterClrMapping/>
+  </p:clrMapOvr>
+  <p:transition>
+    <p:fade/>
+  </p:transition>
+  <p:timing>
+    <p:tnLst>
+      <p:par>
+        <p:cTn id="1" dur="indefinite" restart="never" nodeType="tmRoot">
+          <p:childTnLst>
+            <p:seq concurrent="1" nextAc="seek">
+              <p:cTn id="2" dur="indefinite" nodeType="mainSeq">
+                <p:childTnLst>
+                  <p:par>
+                    <p:cTn id="3" fill="hold">
+                      <p:stCondLst>
+                        <p:cond delay="indefinite"/>
+                      </p:stCondLst>
+                      <p:childTnLst>
+                        <p:par>
+                          <p:cTn id="4" fill="hold">
+                            <p:stCondLst>
+                              <p:cond delay="0"/>
+                            </p:stCondLst>
+                            <p:childTnLst>
+                              <p:par>
+                                <p:cTn id="5" presetID="10" presetClass="entr" presetSubtype="0" fill="hold" nodeType="clickEffect">
+                                  <p:stCondLst>
+                                    <p:cond delay="0"/>
+                                  </p:stCondLst>
+                                  <p:childTnLst>
+                                    <p:set>
+                                      <p:cBhvr>
+                                        <p:cTn id="6" dur="1" fill="hold">
+                                          <p:stCondLst>
+                                            <p:cond delay="0"/>
+                                          </p:stCondLst>
+                                        </p:cTn>
+                                        <p:tgtEl>
+                                          <p:spTgt spid="5"/>
+                                        </p:tgtEl>
+                                        <p:attrNameLst>
+                                          <p:attrName>style.visibility</p:attrName>
+                                        </p:attrNameLst>
+                                      </p:cBhvr>
+                                      <p:to>
+                                        <p:strVal val="visible"/>
+                                      </p:to>
+                                    </p:set>
+                                    <p:animEffect transition="in" filter="fade">
+                                      <p:cBhvr>
+                                        <p:cTn id="7" dur="500"/>
+                                        <p:tgtEl>
+                                          <p:spTgt spid="5"/>
+                                        </p:tgtEl>
+                                      </p:cBhvr>
+                                    </p:animEffect>
+                                  </p:childTnLst>
+                                </p:cTn>
+                              </p:par>
+                            </p:childTnLst>
+                          </p:cTn>
+                        </p:par>
+                      </p:childTnLst>
+                    </p:cTn>
+                  </p:par>
+                </p:childTnLst>
+              </p:cTn>
+              <p:prevCondLst>
+                <p:cond evt="onPrev" delay="0">
+                  <p:tgtEl>
+                    <p:sldTgt/>
+                  </p:tgtEl>
+                </p:cond>
+              </p:prevCondLst>
+              <p:nextCondLst>
+                <p:cond evt="onNext" delay="0">
+                  <p:tgtEl>
+                    <p:sldTgt/>
+                  </p:tgtEl>
+                </p:cond>
+              </p:nextCondLst>
+            </p:seq>
+          </p:childTnLst>
+        </p:cTn>
+      </p:par>
+    </p:tnLst>
+  </p:timing>
+</p:sld>
+</file>
+
+<file path=ppt/slides/slide7.xml><?xml version="1.0" encoding="utf-8"?>
+<p:sld xmlns:a="http://schemas.openxmlformats.org/drawingml/2006/main" xmlns:r="http://schemas.openxmlformats.org/officeDocument/2006/relationships" xmlns:p="http://schemas.openxmlformats.org/presentationml/2006/main">
+  <p:cSld>
+    <p:spTree>
+      <p:nvGrpSpPr>
+        <p:cNvPr id="1" name=""/>
+        <p:cNvGrpSpPr/>
+        <p:nvPr/>
+      </p:nvGrpSpPr>
+      <p:grpSpPr>
+        <a:xfrm>
+          <a:off x="0" y="0"/>
+          <a:ext cx="0" cy="0"/>
+          <a:chOff x="0" y="0"/>
+          <a:chExt cx="0" cy="0"/>
+        </a:xfrm>
+      </p:grpSpPr>
+      <p:sp>
+        <p:nvSpPr>
+          <p:cNvPr id="2" name="Title 1"/>
+          <p:cNvSpPr>
+            <a:spLocks noGrp="1"/>
+          </p:cNvSpPr>
+          <p:nvPr>
+            <p:ph type="title"/>
+          </p:nvPr>
+        </p:nvSpPr>
+        <p:spPr/>
+        <p:txBody>
+          <a:bodyPr/>
+          <a:lstStyle/>
+          <a:p>
+            <a:r>
+              <a:rPr lang="en-US" dirty="0" err="1"/>
+              <a:t>n</a:t>
+            </a:r>
+            <a:r>
+              <a:rPr lang="en-US" dirty="0" err="1" smtClean="0"/>
+              <a:t>pm</a:t>
+            </a:r>
+            <a:r>
+              <a:rPr lang="en-US" dirty="0" smtClean="0"/>
+              <a:t> – where?</a:t>
+            </a:r>
+            <a:endParaRPr lang="en-US" dirty="0"/>
+          </a:p>
+        </p:txBody>
+      </p:sp>
+      <p:sp>
+        <p:nvSpPr>
+          <p:cNvPr id="3" name="Text Placeholder 2"/>
+          <p:cNvSpPr>
+            <a:spLocks noGrp="1"/>
+          </p:cNvSpPr>
+          <p:nvPr>
+            <p:ph type="body" idx="1"/>
+          </p:nvPr>
+        </p:nvSpPr>
+        <p:spPr/>
+        <p:txBody>
+          <a:bodyPr/>
+          <a:lstStyle/>
+          <a:p>
+            <a:endParaRPr lang="en-US"/>
+          </a:p>
+        </p:txBody>
+      </p:sp>
+      <p:pic>
+        <p:nvPicPr>
+          <p:cNvPr id="4" name="Picture 3"/>
+          <p:cNvPicPr>
+            <a:picLocks noChangeAspect="1"/>
+          </p:cNvPicPr>
+          <p:nvPr/>
+        </p:nvPicPr>
+        <p:blipFill>
+          <a:blip r:embed="rId2"/>
+          <a:stretch>
+            <a:fillRect/>
+          </a:stretch>
+        </p:blipFill>
+        <p:spPr>
+          <a:xfrm>
+            <a:off x="1538287" y="1447800"/>
+            <a:ext cx="6067425" cy="3486150"/>
+          </a:xfrm>
+          <a:prstGeom prst="rect">
+            <a:avLst/>
+          </a:prstGeom>
+        </p:spPr>
+      </p:pic>
+    </p:spTree>
+    <p:extLst>
+      <p:ext uri="{BB962C8B-B14F-4D97-AF65-F5344CB8AC3E}">
+        <p14:creationId xmlns:p14="http://schemas.microsoft.com/office/powerpoint/2010/main" val="2131589552"/>
+      </p:ext>
+    </p:extLst>
+  </p:cSld>
+  <p:clrMapOvr>
+    <a:masterClrMapping/>
+  </p:clrMapOvr>
+  <p:transition>
+    <p:fade/>
+  </p:transition>
+  <p:timing>
+    <p:tnLst>
+      <p:par>
+        <p:cTn id="1" dur="indefinite" restart="never" nodeType="tmRoot"/>
+      </p:par>
+    </p:tnLst>
+  </p:timing>
+</p:sld>
+</file>
+
+<file path=ppt/slides/slide8.xml><?xml version="1.0" encoding="utf-8"?>
+<p:sld xmlns:a="http://schemas.openxmlformats.org/drawingml/2006/main" xmlns:r="http://schemas.openxmlformats.org/officeDocument/2006/relationships" xmlns:p="http://schemas.openxmlformats.org/presentationml/2006/main">
+  <p:cSld>
+    <p:spTree>
+      <p:nvGrpSpPr>
+        <p:cNvPr id="1" name=""/>
+        <p:cNvGrpSpPr/>
+        <p:nvPr/>
+      </p:nvGrpSpPr>
+      <p:grpSpPr>
+        <a:xfrm>
+          <a:off x="0" y="0"/>
+          <a:ext cx="0" cy="0"/>
+          <a:chOff x="0" y="0"/>
+          <a:chExt cx="0" cy="0"/>
+        </a:xfrm>
+      </p:grpSpPr>
+      <p:sp>
+        <p:nvSpPr>
+          <p:cNvPr id="2" name="Title 1"/>
+          <p:cNvSpPr>
+            <a:spLocks noGrp="1"/>
+          </p:cNvSpPr>
+          <p:nvPr>
+            <p:ph type="title"/>
+          </p:nvPr>
+        </p:nvSpPr>
+        <p:spPr/>
+        <p:txBody>
+          <a:bodyPr/>
+          <a:lstStyle/>
+          <a:p>
+            <a:r>
+              <a:rPr lang="en-US" dirty="0" err="1"/>
+              <a:t>n</a:t>
+            </a:r>
+            <a:r>
+              <a:rPr lang="en-US" dirty="0" err="1" smtClean="0"/>
+              <a:t>pm</a:t>
+            </a:r>
+            <a:r>
+              <a:rPr lang="en-US" dirty="0" smtClean="0"/>
+              <a:t> help</a:t>
+            </a:r>
+            <a:endParaRPr lang="en-US" dirty="0"/>
+          </a:p>
+        </p:txBody>
+      </p:sp>
+      <p:sp>
+        <p:nvSpPr>
+          <p:cNvPr id="3" name="Text Placeholder 2"/>
+          <p:cNvSpPr>
+            <a:spLocks noGrp="1"/>
+          </p:cNvSpPr>
+          <p:nvPr>
+            <p:ph type="body" idx="1"/>
+          </p:nvPr>
+        </p:nvSpPr>
+        <p:spPr/>
+        <p:txBody>
+          <a:bodyPr/>
+          <a:lstStyle/>
+          <a:p>
+            <a:r>
+              <a:rPr lang="en-US" dirty="0" err="1"/>
+              <a:t>n</a:t>
+            </a:r>
+            <a:r>
+              <a:rPr lang="en-US" dirty="0" err="1" smtClean="0"/>
+              <a:t>pm</a:t>
+            </a:r>
+            <a:r>
+              <a:rPr lang="en-US" dirty="0" smtClean="0"/>
+              <a:t> </a:t>
+            </a:r>
+            <a:r>
+              <a:rPr lang="en-US" dirty="0" err="1" smtClean="0"/>
+              <a:t>init</a:t>
+            </a:r>
+            <a:endParaRPr lang="en-US" dirty="0" smtClean="0"/>
+          </a:p>
+          <a:p>
+            <a:r>
+              <a:rPr lang="en-US" dirty="0" err="1"/>
+              <a:t>n</a:t>
+            </a:r>
+            <a:r>
+              <a:rPr lang="en-US" dirty="0" err="1" smtClean="0"/>
+              <a:t>pm</a:t>
+            </a:r>
+            <a:r>
+              <a:rPr lang="en-US" dirty="0" smtClean="0"/>
+              <a:t> install &lt;package&gt; --save</a:t>
+            </a:r>
+          </a:p>
+          <a:p>
+            <a:r>
+              <a:rPr lang="en-US" dirty="0" err="1"/>
+              <a:t>n</a:t>
+            </a:r>
+            <a:r>
+              <a:rPr lang="en-US" dirty="0" err="1" smtClean="0"/>
+              <a:t>pm</a:t>
+            </a:r>
+            <a:r>
+              <a:rPr lang="en-US" dirty="0" smtClean="0"/>
+              <a:t> install &lt;</a:t>
+            </a:r>
+            <a:r>
+              <a:rPr lang="en-US" dirty="0" err="1" smtClean="0"/>
+              <a:t>packge</a:t>
+            </a:r>
+            <a:r>
+              <a:rPr lang="en-US" dirty="0" smtClean="0"/>
+              <a:t>&gt; --save-</a:t>
+            </a:r>
+            <a:r>
+              <a:rPr lang="en-US" dirty="0" err="1" smtClean="0"/>
+              <a:t>dev</a:t>
+            </a:r>
+            <a:endParaRPr lang="en-US" dirty="0" smtClean="0"/>
+          </a:p>
+          <a:p>
+            <a:r>
+              <a:rPr lang="en-US" dirty="0" err="1"/>
+              <a:t>n</a:t>
+            </a:r>
+            <a:r>
+              <a:rPr lang="en-US" dirty="0" err="1" smtClean="0"/>
+              <a:t>pm</a:t>
+            </a:r>
+            <a:r>
+              <a:rPr lang="en-US" dirty="0" smtClean="0"/>
+              <a:t> install</a:t>
+            </a:r>
+          </a:p>
+          <a:p>
+            <a:r>
+              <a:rPr lang="en-US" dirty="0" err="1"/>
+              <a:t>n</a:t>
+            </a:r>
+            <a:r>
+              <a:rPr lang="en-US" dirty="0" err="1" smtClean="0"/>
+              <a:t>pm</a:t>
+            </a:r>
+            <a:r>
+              <a:rPr lang="en-US" dirty="0" smtClean="0"/>
+              <a:t> update</a:t>
+            </a:r>
+            <a:endParaRPr lang="en-US" dirty="0"/>
+          </a:p>
+        </p:txBody>
+      </p:sp>
+      <p:pic>
+        <p:nvPicPr>
+          <p:cNvPr id="5" name="Picture 4"/>
+          <p:cNvPicPr>
+            <a:picLocks noChangeAspect="1"/>
+          </p:cNvPicPr>
+          <p:nvPr/>
+        </p:nvPicPr>
+        <p:blipFill>
+          <a:blip r:embed="rId2"/>
+          <a:stretch>
+            <a:fillRect/>
+          </a:stretch>
+        </p:blipFill>
+        <p:spPr>
+          <a:xfrm>
+            <a:off x="3810000" y="2895600"/>
+            <a:ext cx="4124325" cy="3200400"/>
+          </a:xfrm>
+          <a:prstGeom prst="rect">
+            <a:avLst/>
+          </a:prstGeom>
+        </p:spPr>
+      </p:pic>
+    </p:spTree>
+    <p:extLst>
+      <p:ext uri="{BB962C8B-B14F-4D97-AF65-F5344CB8AC3E}">
+        <p14:creationId xmlns:p14="http://schemas.microsoft.com/office/powerpoint/2010/main" val="970137528"/>
+      </p:ext>
+    </p:extLst>
+  </p:cSld>
+  <p:clrMapOvr>
+    <a:masterClrMapping/>
+  </p:clrMapOvr>
+  <p:transition>
+    <p:fade/>
+  </p:transition>
+  <p:timing>
+    <p:tnLst>
+      <p:par>
+        <p:cTn id="1" dur="indefinite" restart="never" nodeType="tmRoot"/>
+      </p:par>
+    </p:tnLst>
+  </p:timing>
+</p:sld>
+</file>
+
+<file path=ppt/slides/slide9.xml><?xml version="1.0" encoding="utf-8"?>
+<p:sld xmlns:a="http://schemas.openxmlformats.org/drawingml/2006/main" xmlns:r="http://schemas.openxmlformats.org/officeDocument/2006/relationships" xmlns:p="http://schemas.openxmlformats.org/presentationml/2006/main">
+  <p:cSld>
+    <p:spTree>
+      <p:nvGrpSpPr>
+        <p:cNvPr id="1" name=""/>
+        <p:cNvGrpSpPr/>
+        <p:nvPr/>
+      </p:nvGrpSpPr>
+      <p:grpSpPr>
+        <a:xfrm>
+          <a:off x="0" y="0"/>
+          <a:ext cx="0" cy="0"/>
+          <a:chOff x="0" y="0"/>
+          <a:chExt cx="0" cy="0"/>
+        </a:xfrm>
+      </p:grpSpPr>
+      <p:sp>
+        <p:nvSpPr>
+          <p:cNvPr id="2" name="Title 1"/>
+          <p:cNvSpPr>
+            <a:spLocks noGrp="1"/>
+          </p:cNvSpPr>
+          <p:nvPr>
+            <p:ph type="title"/>
+          </p:nvPr>
+        </p:nvSpPr>
+        <p:spPr/>
+        <p:txBody>
+          <a:bodyPr/>
+          <a:lstStyle/>
+          <a:p>
+            <a:r>
+              <a:rPr lang="en-US" dirty="0" smtClean="0"/>
+              <a:t>Package Manager: Bower</a:t>
+            </a:r>
+            <a:endParaRPr lang="en-US" dirty="0"/>
+          </a:p>
+        </p:txBody>
+      </p:sp>
+      <p:sp>
+        <p:nvSpPr>
+          <p:cNvPr id="3" name="Text Placeholder 2"/>
+          <p:cNvSpPr>
+            <a:spLocks noGrp="1"/>
+          </p:cNvSpPr>
+          <p:nvPr>
+            <p:ph type="body" idx="1"/>
+          </p:nvPr>
+        </p:nvSpPr>
+        <p:spPr/>
+        <p:txBody>
+          <a:bodyPr/>
+          <a:lstStyle/>
+          <a:p>
+            <a:endParaRPr lang="en-US"/>
+          </a:p>
+        </p:txBody>
+      </p:sp>
+      <p:pic>
+        <p:nvPicPr>
+          <p:cNvPr id="4" name="Picture 3"/>
+          <p:cNvPicPr>
+            <a:picLocks noChangeAspect="1"/>
+          </p:cNvPicPr>
+          <p:nvPr/>
+        </p:nvPicPr>
+        <p:blipFill>
+          <a:blip r:embed="rId2"/>
+          <a:stretch>
+            <a:fillRect/>
+          </a:stretch>
+        </p:blipFill>
+        <p:spPr>
+          <a:xfrm>
+            <a:off x="1824037" y="1971675"/>
+            <a:ext cx="5495925" cy="2914650"/>
+          </a:xfrm>
+          <a:prstGeom prst="rect">
+            <a:avLst/>
+          </a:prstGeom>
+        </p:spPr>
+      </p:pic>
+    </p:spTree>
+    <p:extLst>
+      <p:ext uri="{BB962C8B-B14F-4D97-AF65-F5344CB8AC3E}">
+        <p14:creationId xmlns:p14="http://schemas.microsoft.com/office/powerpoint/2010/main" val="2889482689"/>
       </p:ext>
     </p:extLst>
   </p:cSld>

--- a/angularjs/slides/a3_nodetools.pptx
+++ b/angularjs/slides/a3_nodetools.pptx
@@ -5,10 +5,10 @@
     <p:sldMasterId id="2147483772" r:id="rId1"/>
   </p:sldMasterIdLst>
   <p:notesMasterIdLst>
-    <p:notesMasterId r:id="rId18"/>
+    <p:notesMasterId r:id="rId23"/>
   </p:notesMasterIdLst>
   <p:handoutMasterIdLst>
-    <p:handoutMasterId r:id="rId19"/>
+    <p:handoutMasterId r:id="rId24"/>
   </p:handoutMasterIdLst>
   <p:sldIdLst>
     <p:sldId id="327" r:id="rId2"/>
@@ -16,8 +16,8 @@
     <p:sldId id="346" r:id="rId4"/>
     <p:sldId id="347" r:id="rId5"/>
     <p:sldId id="348" r:id="rId6"/>
-    <p:sldId id="350" r:id="rId7"/>
-    <p:sldId id="351" r:id="rId8"/>
+    <p:sldId id="351" r:id="rId7"/>
+    <p:sldId id="350" r:id="rId8"/>
     <p:sldId id="352" r:id="rId9"/>
     <p:sldId id="353" r:id="rId10"/>
     <p:sldId id="354" r:id="rId11"/>
@@ -25,8 +25,13 @@
     <p:sldId id="356" r:id="rId13"/>
     <p:sldId id="357" r:id="rId14"/>
     <p:sldId id="358" r:id="rId15"/>
-    <p:sldId id="359" r:id="rId16"/>
-    <p:sldId id="345" r:id="rId17"/>
+    <p:sldId id="364" r:id="rId16"/>
+    <p:sldId id="359" r:id="rId17"/>
+    <p:sldId id="365" r:id="rId18"/>
+    <p:sldId id="361" r:id="rId19"/>
+    <p:sldId id="362" r:id="rId20"/>
+    <p:sldId id="360" r:id="rId21"/>
+    <p:sldId id="345" r:id="rId22"/>
   </p:sldIdLst>
   <p:sldSz cx="9144000" cy="6858000" type="screen4x3"/>
   <p:notesSz cx="7302500" cy="9588500"/>
@@ -279,7 +284,7 @@
               <a:pPr>
                 <a:defRPr/>
               </a:pPr>
-              <a:t>6/1/2014</a:t>
+              <a:t>6/4/2014</a:t>
             </a:fld>
             <a:endParaRPr lang="en-US"/>
           </a:p>
@@ -2544,13 +2549,8 @@
             <a:pPr marL="0" indent="0" defTabSz="914400"/>
             <a:r>
               <a:rPr lang="en-US" dirty="0" smtClean="0"/>
-              <a:t>Node Tools For Front End </a:t>
-            </a:r>
-            <a:r>
-              <a:rPr lang="en-US" dirty="0" smtClean="0"/>
-              <a:t>Developers</a:t>
-            </a:r>
-            <a:endParaRPr lang="en-US" dirty="0" smtClean="0"/>
+              <a:t>Node Tools For Front End Developers</a:t>
+            </a:r>
           </a:p>
         </p:txBody>
       </p:sp>
@@ -3024,8 +3024,8 @@
         </p:blipFill>
         <p:spPr>
           <a:xfrm>
-            <a:off x="4114800" y="2286000"/>
-            <a:ext cx="4743450" cy="4350680"/>
+            <a:off x="3048000" y="2466925"/>
+            <a:ext cx="4244975" cy="3893480"/>
           </a:xfrm>
           <a:prstGeom prst="rect">
             <a:avLst/>
@@ -3368,44 +3368,257 @@
           <a:lstStyle/>
           <a:p>
             <a:r>
-              <a:rPr lang="en-US" dirty="0" err="1" smtClean="0"/>
-              <a:t>Concat</a:t>
-            </a:r>
-            <a:r>
               <a:rPr lang="en-US" dirty="0" smtClean="0"/>
-              <a:t> + </a:t>
-            </a:r>
-            <a:r>
-              <a:rPr lang="en-US" dirty="0" err="1" smtClean="0"/>
-              <a:t>Uglify</a:t>
+              <a:t>Other Grunt Tasks</a:t>
             </a:r>
             <a:endParaRPr lang="en-US" dirty="0"/>
           </a:p>
         </p:txBody>
       </p:sp>
-      <p:sp>
-        <p:nvSpPr>
-          <p:cNvPr id="3" name="Text Placeholder 2"/>
-          <p:cNvSpPr>
-            <a:spLocks noGrp="1"/>
-          </p:cNvSpPr>
-          <p:nvPr>
-            <p:ph type="body" idx="1"/>
-          </p:nvPr>
-        </p:nvSpPr>
-        <p:spPr/>
-        <p:txBody>
-          <a:bodyPr/>
-          <a:lstStyle/>
-          <a:p>
-            <a:endParaRPr lang="en-US" dirty="0"/>
-          </a:p>
-        </p:txBody>
-      </p:sp>
+      <p:pic>
+        <p:nvPicPr>
+          <p:cNvPr id="15" name="Picture 14"/>
+          <p:cNvPicPr>
+            <a:picLocks noChangeAspect="1"/>
+          </p:cNvPicPr>
+          <p:nvPr/>
+        </p:nvPicPr>
+        <p:blipFill>
+          <a:blip r:embed="rId2"/>
+          <a:stretch>
+            <a:fillRect/>
+          </a:stretch>
+        </p:blipFill>
+        <p:spPr>
+          <a:xfrm>
+            <a:off x="2781988" y="981075"/>
+            <a:ext cx="3543300" cy="400050"/>
+          </a:xfrm>
+          <a:prstGeom prst="rect">
+            <a:avLst/>
+          </a:prstGeom>
+        </p:spPr>
+      </p:pic>
+      <p:pic>
+        <p:nvPicPr>
+          <p:cNvPr id="14" name="Picture 13"/>
+          <p:cNvPicPr>
+            <a:picLocks noChangeAspect="1"/>
+          </p:cNvPicPr>
+          <p:nvPr/>
+        </p:nvPicPr>
+        <p:blipFill>
+          <a:blip r:embed="rId3"/>
+          <a:stretch>
+            <a:fillRect/>
+          </a:stretch>
+        </p:blipFill>
+        <p:spPr>
+          <a:xfrm>
+            <a:off x="3720201" y="1136546"/>
+            <a:ext cx="5210175" cy="714375"/>
+          </a:xfrm>
+          <a:prstGeom prst="rect">
+            <a:avLst/>
+          </a:prstGeom>
+        </p:spPr>
+      </p:pic>
+      <p:pic>
+        <p:nvPicPr>
+          <p:cNvPr id="6" name="Picture 5"/>
+          <p:cNvPicPr>
+            <a:picLocks noChangeAspect="1"/>
+          </p:cNvPicPr>
+          <p:nvPr/>
+        </p:nvPicPr>
+        <p:blipFill>
+          <a:blip r:embed="rId4"/>
+          <a:stretch>
+            <a:fillRect/>
+          </a:stretch>
+        </p:blipFill>
+        <p:spPr>
+          <a:xfrm>
+            <a:off x="505514" y="1600200"/>
+            <a:ext cx="4048125" cy="723900"/>
+          </a:xfrm>
+          <a:prstGeom prst="rect">
+            <a:avLst/>
+          </a:prstGeom>
+        </p:spPr>
+      </p:pic>
+      <p:pic>
+        <p:nvPicPr>
+          <p:cNvPr id="10" name="Picture 9"/>
+          <p:cNvPicPr>
+            <a:picLocks noChangeAspect="1"/>
+          </p:cNvPicPr>
+          <p:nvPr/>
+        </p:nvPicPr>
+        <p:blipFill>
+          <a:blip r:embed="rId5"/>
+          <a:stretch>
+            <a:fillRect/>
+          </a:stretch>
+        </p:blipFill>
+        <p:spPr>
+          <a:xfrm>
+            <a:off x="4491726" y="2134290"/>
+            <a:ext cx="4438650" cy="762000"/>
+          </a:xfrm>
+          <a:prstGeom prst="rect">
+            <a:avLst/>
+          </a:prstGeom>
+        </p:spPr>
+      </p:pic>
+      <p:pic>
+        <p:nvPicPr>
+          <p:cNvPr id="7" name="Picture 6"/>
+          <p:cNvPicPr>
+            <a:picLocks noChangeAspect="1"/>
+          </p:cNvPicPr>
+          <p:nvPr/>
+        </p:nvPicPr>
+        <p:blipFill>
+          <a:blip r:embed="rId6"/>
+          <a:stretch>
+            <a:fillRect/>
+          </a:stretch>
+        </p:blipFill>
+        <p:spPr>
+          <a:xfrm>
+            <a:off x="1676400" y="2743200"/>
+            <a:ext cx="4352925" cy="781050"/>
+          </a:xfrm>
+          <a:prstGeom prst="rect">
+            <a:avLst/>
+          </a:prstGeom>
+        </p:spPr>
+      </p:pic>
+      <p:pic>
+        <p:nvPicPr>
+          <p:cNvPr id="11" name="Picture 10"/>
+          <p:cNvPicPr>
+            <a:picLocks noChangeAspect="1"/>
+          </p:cNvPicPr>
+          <p:nvPr/>
+        </p:nvPicPr>
+        <p:blipFill>
+          <a:blip r:embed="rId7"/>
+          <a:stretch>
+            <a:fillRect/>
+          </a:stretch>
+        </p:blipFill>
+        <p:spPr>
+          <a:xfrm>
+            <a:off x="3863879" y="3376613"/>
+            <a:ext cx="4667250" cy="714375"/>
+          </a:xfrm>
+          <a:prstGeom prst="rect">
+            <a:avLst/>
+          </a:prstGeom>
+        </p:spPr>
+      </p:pic>
+      <p:pic>
+        <p:nvPicPr>
+          <p:cNvPr id="8" name="Picture 7"/>
+          <p:cNvPicPr>
+            <a:picLocks noChangeAspect="1"/>
+          </p:cNvPicPr>
+          <p:nvPr/>
+        </p:nvPicPr>
+        <p:blipFill>
+          <a:blip r:embed="rId8"/>
+          <a:stretch>
+            <a:fillRect/>
+          </a:stretch>
+        </p:blipFill>
+        <p:spPr>
+          <a:xfrm>
+            <a:off x="567426" y="3943350"/>
+            <a:ext cx="3924300" cy="752475"/>
+          </a:xfrm>
+          <a:prstGeom prst="rect">
+            <a:avLst/>
+          </a:prstGeom>
+        </p:spPr>
+      </p:pic>
+      <p:pic>
+        <p:nvPicPr>
+          <p:cNvPr id="12" name="Picture 11"/>
+          <p:cNvPicPr>
+            <a:picLocks noChangeAspect="1"/>
+          </p:cNvPicPr>
+          <p:nvPr/>
+        </p:nvPicPr>
+        <p:blipFill>
+          <a:blip r:embed="rId9"/>
+          <a:stretch>
+            <a:fillRect/>
+          </a:stretch>
+        </p:blipFill>
+        <p:spPr>
+          <a:xfrm>
+            <a:off x="3038475" y="4510088"/>
+            <a:ext cx="5829300" cy="962025"/>
+          </a:xfrm>
+          <a:prstGeom prst="rect">
+            <a:avLst/>
+          </a:prstGeom>
+        </p:spPr>
+      </p:pic>
+      <p:pic>
+        <p:nvPicPr>
+          <p:cNvPr id="9" name="Picture 8"/>
+          <p:cNvPicPr>
+            <a:picLocks noChangeAspect="1"/>
+          </p:cNvPicPr>
+          <p:nvPr/>
+        </p:nvPicPr>
+        <p:blipFill>
+          <a:blip r:embed="rId10"/>
+          <a:stretch>
+            <a:fillRect/>
+          </a:stretch>
+        </p:blipFill>
+        <p:spPr>
+          <a:xfrm>
+            <a:off x="914400" y="5091744"/>
+            <a:ext cx="4248150" cy="742950"/>
+          </a:xfrm>
+          <a:prstGeom prst="rect">
+            <a:avLst/>
+          </a:prstGeom>
+        </p:spPr>
+      </p:pic>
+      <p:pic>
+        <p:nvPicPr>
+          <p:cNvPr id="13" name="Picture 12"/>
+          <p:cNvPicPr>
+            <a:picLocks noChangeAspect="1"/>
+          </p:cNvPicPr>
+          <p:nvPr/>
+        </p:nvPicPr>
+        <p:blipFill>
+          <a:blip r:embed="rId11"/>
+          <a:stretch>
+            <a:fillRect/>
+          </a:stretch>
+        </p:blipFill>
+        <p:spPr>
+          <a:xfrm>
+            <a:off x="3352800" y="5708920"/>
+            <a:ext cx="4791075" cy="781050"/>
+          </a:xfrm>
+          <a:prstGeom prst="rect">
+            <a:avLst/>
+          </a:prstGeom>
+        </p:spPr>
+      </p:pic>
     </p:spTree>
     <p:extLst>
       <p:ext uri="{BB962C8B-B14F-4D97-AF65-F5344CB8AC3E}">
-        <p14:creationId xmlns:p14="http://schemas.microsoft.com/office/powerpoint/2010/main" val="3027767299"/>
+        <p14:creationId xmlns:p14="http://schemas.microsoft.com/office/powerpoint/2010/main" val="770954660"/>
       </p:ext>
     </p:extLst>
   </p:cSld>
@@ -3418,7 +3631,560 @@
   <p:timing>
     <p:tnLst>
       <p:par>
-        <p:cTn id="1" dur="indefinite" restart="never" nodeType="tmRoot"/>
+        <p:cTn id="1" dur="indefinite" restart="never" nodeType="tmRoot">
+          <p:childTnLst>
+            <p:seq concurrent="1" nextAc="seek">
+              <p:cTn id="2" dur="indefinite" nodeType="mainSeq">
+                <p:childTnLst>
+                  <p:par>
+                    <p:cTn id="3" fill="hold">
+                      <p:stCondLst>
+                        <p:cond delay="indefinite"/>
+                      </p:stCondLst>
+                      <p:childTnLst>
+                        <p:par>
+                          <p:cTn id="4" fill="hold">
+                            <p:stCondLst>
+                              <p:cond delay="0"/>
+                            </p:stCondLst>
+                            <p:childTnLst>
+                              <p:par>
+                                <p:cTn id="5" presetID="10" presetClass="entr" presetSubtype="0" fill="hold" nodeType="clickEffect">
+                                  <p:stCondLst>
+                                    <p:cond delay="0"/>
+                                  </p:stCondLst>
+                                  <p:childTnLst>
+                                    <p:set>
+                                      <p:cBhvr>
+                                        <p:cTn id="6" dur="1" fill="hold">
+                                          <p:stCondLst>
+                                            <p:cond delay="0"/>
+                                          </p:stCondLst>
+                                        </p:cTn>
+                                        <p:tgtEl>
+                                          <p:spTgt spid="15"/>
+                                        </p:tgtEl>
+                                        <p:attrNameLst>
+                                          <p:attrName>style.visibility</p:attrName>
+                                        </p:attrNameLst>
+                                      </p:cBhvr>
+                                      <p:to>
+                                        <p:strVal val="visible"/>
+                                      </p:to>
+                                    </p:set>
+                                    <p:animEffect transition="in" filter="fade">
+                                      <p:cBhvr>
+                                        <p:cTn id="7" dur="500"/>
+                                        <p:tgtEl>
+                                          <p:spTgt spid="15"/>
+                                        </p:tgtEl>
+                                      </p:cBhvr>
+                                    </p:animEffect>
+                                  </p:childTnLst>
+                                </p:cTn>
+                              </p:par>
+                            </p:childTnLst>
+                          </p:cTn>
+                        </p:par>
+                      </p:childTnLst>
+                    </p:cTn>
+                  </p:par>
+                  <p:par>
+                    <p:cTn id="8" fill="hold">
+                      <p:stCondLst>
+                        <p:cond delay="indefinite"/>
+                      </p:stCondLst>
+                      <p:childTnLst>
+                        <p:par>
+                          <p:cTn id="9" fill="hold">
+                            <p:stCondLst>
+                              <p:cond delay="0"/>
+                            </p:stCondLst>
+                            <p:childTnLst>
+                              <p:par>
+                                <p:cTn id="10" presetID="10" presetClass="entr" presetSubtype="0" fill="hold" nodeType="clickEffect">
+                                  <p:stCondLst>
+                                    <p:cond delay="0"/>
+                                  </p:stCondLst>
+                                  <p:childTnLst>
+                                    <p:set>
+                                      <p:cBhvr>
+                                        <p:cTn id="11" dur="1" fill="hold">
+                                          <p:stCondLst>
+                                            <p:cond delay="0"/>
+                                          </p:stCondLst>
+                                        </p:cTn>
+                                        <p:tgtEl>
+                                          <p:spTgt spid="14"/>
+                                        </p:tgtEl>
+                                        <p:attrNameLst>
+                                          <p:attrName>style.visibility</p:attrName>
+                                        </p:attrNameLst>
+                                      </p:cBhvr>
+                                      <p:to>
+                                        <p:strVal val="visible"/>
+                                      </p:to>
+                                    </p:set>
+                                    <p:animEffect transition="in" filter="fade">
+                                      <p:cBhvr>
+                                        <p:cTn id="12" dur="500"/>
+                                        <p:tgtEl>
+                                          <p:spTgt spid="14"/>
+                                        </p:tgtEl>
+                                      </p:cBhvr>
+                                    </p:animEffect>
+                                  </p:childTnLst>
+                                </p:cTn>
+                              </p:par>
+                            </p:childTnLst>
+                          </p:cTn>
+                        </p:par>
+                      </p:childTnLst>
+                    </p:cTn>
+                  </p:par>
+                  <p:par>
+                    <p:cTn id="13" fill="hold">
+                      <p:stCondLst>
+                        <p:cond delay="indefinite"/>
+                      </p:stCondLst>
+                      <p:childTnLst>
+                        <p:par>
+                          <p:cTn id="14" fill="hold">
+                            <p:stCondLst>
+                              <p:cond delay="0"/>
+                            </p:stCondLst>
+                            <p:childTnLst>
+                              <p:par>
+                                <p:cTn id="15" presetID="10" presetClass="entr" presetSubtype="0" fill="hold" nodeType="clickEffect">
+                                  <p:stCondLst>
+                                    <p:cond delay="0"/>
+                                  </p:stCondLst>
+                                  <p:childTnLst>
+                                    <p:set>
+                                      <p:cBhvr>
+                                        <p:cTn id="16" dur="1" fill="hold">
+                                          <p:stCondLst>
+                                            <p:cond delay="0"/>
+                                          </p:stCondLst>
+                                        </p:cTn>
+                                        <p:tgtEl>
+                                          <p:spTgt spid="6"/>
+                                        </p:tgtEl>
+                                        <p:attrNameLst>
+                                          <p:attrName>style.visibility</p:attrName>
+                                        </p:attrNameLst>
+                                      </p:cBhvr>
+                                      <p:to>
+                                        <p:strVal val="visible"/>
+                                      </p:to>
+                                    </p:set>
+                                    <p:animEffect transition="in" filter="fade">
+                                      <p:cBhvr>
+                                        <p:cTn id="17" dur="500"/>
+                                        <p:tgtEl>
+                                          <p:spTgt spid="6"/>
+                                        </p:tgtEl>
+                                      </p:cBhvr>
+                                    </p:animEffect>
+                                  </p:childTnLst>
+                                </p:cTn>
+                              </p:par>
+                            </p:childTnLst>
+                          </p:cTn>
+                        </p:par>
+                      </p:childTnLst>
+                    </p:cTn>
+                  </p:par>
+                  <p:par>
+                    <p:cTn id="18" fill="hold">
+                      <p:stCondLst>
+                        <p:cond delay="indefinite"/>
+                      </p:stCondLst>
+                      <p:childTnLst>
+                        <p:par>
+                          <p:cTn id="19" fill="hold">
+                            <p:stCondLst>
+                              <p:cond delay="0"/>
+                            </p:stCondLst>
+                            <p:childTnLst>
+                              <p:par>
+                                <p:cTn id="20" presetID="10" presetClass="entr" presetSubtype="0" fill="hold" nodeType="clickEffect">
+                                  <p:stCondLst>
+                                    <p:cond delay="0"/>
+                                  </p:stCondLst>
+                                  <p:childTnLst>
+                                    <p:set>
+                                      <p:cBhvr>
+                                        <p:cTn id="21" dur="1" fill="hold">
+                                          <p:stCondLst>
+                                            <p:cond delay="0"/>
+                                          </p:stCondLst>
+                                        </p:cTn>
+                                        <p:tgtEl>
+                                          <p:spTgt spid="10"/>
+                                        </p:tgtEl>
+                                        <p:attrNameLst>
+                                          <p:attrName>style.visibility</p:attrName>
+                                        </p:attrNameLst>
+                                      </p:cBhvr>
+                                      <p:to>
+                                        <p:strVal val="visible"/>
+                                      </p:to>
+                                    </p:set>
+                                    <p:animEffect transition="in" filter="fade">
+                                      <p:cBhvr>
+                                        <p:cTn id="22" dur="500"/>
+                                        <p:tgtEl>
+                                          <p:spTgt spid="10"/>
+                                        </p:tgtEl>
+                                      </p:cBhvr>
+                                    </p:animEffect>
+                                  </p:childTnLst>
+                                </p:cTn>
+                              </p:par>
+                            </p:childTnLst>
+                          </p:cTn>
+                        </p:par>
+                      </p:childTnLst>
+                    </p:cTn>
+                  </p:par>
+                  <p:par>
+                    <p:cTn id="23" fill="hold">
+                      <p:stCondLst>
+                        <p:cond delay="indefinite"/>
+                      </p:stCondLst>
+                      <p:childTnLst>
+                        <p:par>
+                          <p:cTn id="24" fill="hold">
+                            <p:stCondLst>
+                              <p:cond delay="0"/>
+                            </p:stCondLst>
+                            <p:childTnLst>
+                              <p:par>
+                                <p:cTn id="25" presetID="10" presetClass="entr" presetSubtype="0" fill="hold" nodeType="clickEffect">
+                                  <p:stCondLst>
+                                    <p:cond delay="0"/>
+                                  </p:stCondLst>
+                                  <p:childTnLst>
+                                    <p:set>
+                                      <p:cBhvr>
+                                        <p:cTn id="26" dur="1" fill="hold">
+                                          <p:stCondLst>
+                                            <p:cond delay="0"/>
+                                          </p:stCondLst>
+                                        </p:cTn>
+                                        <p:tgtEl>
+                                          <p:spTgt spid="7"/>
+                                        </p:tgtEl>
+                                        <p:attrNameLst>
+                                          <p:attrName>style.visibility</p:attrName>
+                                        </p:attrNameLst>
+                                      </p:cBhvr>
+                                      <p:to>
+                                        <p:strVal val="visible"/>
+                                      </p:to>
+                                    </p:set>
+                                    <p:animEffect transition="in" filter="fade">
+                                      <p:cBhvr>
+                                        <p:cTn id="27" dur="500"/>
+                                        <p:tgtEl>
+                                          <p:spTgt spid="7"/>
+                                        </p:tgtEl>
+                                      </p:cBhvr>
+                                    </p:animEffect>
+                                  </p:childTnLst>
+                                </p:cTn>
+                              </p:par>
+                            </p:childTnLst>
+                          </p:cTn>
+                        </p:par>
+                      </p:childTnLst>
+                    </p:cTn>
+                  </p:par>
+                  <p:par>
+                    <p:cTn id="28" fill="hold">
+                      <p:stCondLst>
+                        <p:cond delay="indefinite"/>
+                      </p:stCondLst>
+                      <p:childTnLst>
+                        <p:par>
+                          <p:cTn id="29" fill="hold">
+                            <p:stCondLst>
+                              <p:cond delay="0"/>
+                            </p:stCondLst>
+                            <p:childTnLst>
+                              <p:par>
+                                <p:cTn id="30" presetID="10" presetClass="entr" presetSubtype="0" fill="hold" nodeType="clickEffect">
+                                  <p:stCondLst>
+                                    <p:cond delay="0"/>
+                                  </p:stCondLst>
+                                  <p:childTnLst>
+                                    <p:set>
+                                      <p:cBhvr>
+                                        <p:cTn id="31" dur="1" fill="hold">
+                                          <p:stCondLst>
+                                            <p:cond delay="0"/>
+                                          </p:stCondLst>
+                                        </p:cTn>
+                                        <p:tgtEl>
+                                          <p:spTgt spid="11"/>
+                                        </p:tgtEl>
+                                        <p:attrNameLst>
+                                          <p:attrName>style.visibility</p:attrName>
+                                        </p:attrNameLst>
+                                      </p:cBhvr>
+                                      <p:to>
+                                        <p:strVal val="visible"/>
+                                      </p:to>
+                                    </p:set>
+                                    <p:animEffect transition="in" filter="fade">
+                                      <p:cBhvr>
+                                        <p:cTn id="32" dur="500"/>
+                                        <p:tgtEl>
+                                          <p:spTgt spid="11"/>
+                                        </p:tgtEl>
+                                      </p:cBhvr>
+                                    </p:animEffect>
+                                  </p:childTnLst>
+                                </p:cTn>
+                              </p:par>
+                            </p:childTnLst>
+                          </p:cTn>
+                        </p:par>
+                      </p:childTnLst>
+                    </p:cTn>
+                  </p:par>
+                  <p:par>
+                    <p:cTn id="33" fill="hold">
+                      <p:stCondLst>
+                        <p:cond delay="indefinite"/>
+                      </p:stCondLst>
+                      <p:childTnLst>
+                        <p:par>
+                          <p:cTn id="34" fill="hold">
+                            <p:stCondLst>
+                              <p:cond delay="0"/>
+                            </p:stCondLst>
+                            <p:childTnLst>
+                              <p:par>
+                                <p:cTn id="35" presetID="10" presetClass="entr" presetSubtype="0" fill="hold" nodeType="clickEffect">
+                                  <p:stCondLst>
+                                    <p:cond delay="0"/>
+                                  </p:stCondLst>
+                                  <p:childTnLst>
+                                    <p:set>
+                                      <p:cBhvr>
+                                        <p:cTn id="36" dur="1" fill="hold">
+                                          <p:stCondLst>
+                                            <p:cond delay="0"/>
+                                          </p:stCondLst>
+                                        </p:cTn>
+                                        <p:tgtEl>
+                                          <p:spTgt spid="8"/>
+                                        </p:tgtEl>
+                                        <p:attrNameLst>
+                                          <p:attrName>style.visibility</p:attrName>
+                                        </p:attrNameLst>
+                                      </p:cBhvr>
+                                      <p:to>
+                                        <p:strVal val="visible"/>
+                                      </p:to>
+                                    </p:set>
+                                    <p:animEffect transition="in" filter="fade">
+                                      <p:cBhvr>
+                                        <p:cTn id="37" dur="500"/>
+                                        <p:tgtEl>
+                                          <p:spTgt spid="8"/>
+                                        </p:tgtEl>
+                                      </p:cBhvr>
+                                    </p:animEffect>
+                                  </p:childTnLst>
+                                </p:cTn>
+                              </p:par>
+                            </p:childTnLst>
+                          </p:cTn>
+                        </p:par>
+                      </p:childTnLst>
+                    </p:cTn>
+                  </p:par>
+                  <p:par>
+                    <p:cTn id="38" fill="hold">
+                      <p:stCondLst>
+                        <p:cond delay="indefinite"/>
+                      </p:stCondLst>
+                      <p:childTnLst>
+                        <p:par>
+                          <p:cTn id="39" fill="hold">
+                            <p:stCondLst>
+                              <p:cond delay="0"/>
+                            </p:stCondLst>
+                            <p:childTnLst>
+                              <p:par>
+                                <p:cTn id="40" presetID="10" presetClass="entr" presetSubtype="0" fill="hold" nodeType="clickEffect">
+                                  <p:stCondLst>
+                                    <p:cond delay="0"/>
+                                  </p:stCondLst>
+                                  <p:childTnLst>
+                                    <p:set>
+                                      <p:cBhvr>
+                                        <p:cTn id="41" dur="1" fill="hold">
+                                          <p:stCondLst>
+                                            <p:cond delay="0"/>
+                                          </p:stCondLst>
+                                        </p:cTn>
+                                        <p:tgtEl>
+                                          <p:spTgt spid="12"/>
+                                        </p:tgtEl>
+                                        <p:attrNameLst>
+                                          <p:attrName>style.visibility</p:attrName>
+                                        </p:attrNameLst>
+                                      </p:cBhvr>
+                                      <p:to>
+                                        <p:strVal val="visible"/>
+                                      </p:to>
+                                    </p:set>
+                                    <p:animEffect transition="in" filter="fade">
+                                      <p:cBhvr>
+                                        <p:cTn id="42" dur="500"/>
+                                        <p:tgtEl>
+                                          <p:spTgt spid="12"/>
+                                        </p:tgtEl>
+                                      </p:cBhvr>
+                                    </p:animEffect>
+                                  </p:childTnLst>
+                                </p:cTn>
+                              </p:par>
+                            </p:childTnLst>
+                          </p:cTn>
+                        </p:par>
+                      </p:childTnLst>
+                    </p:cTn>
+                  </p:par>
+                  <p:par>
+                    <p:cTn id="43" fill="hold">
+                      <p:stCondLst>
+                        <p:cond delay="indefinite"/>
+                      </p:stCondLst>
+                      <p:childTnLst>
+                        <p:par>
+                          <p:cTn id="44" fill="hold">
+                            <p:stCondLst>
+                              <p:cond delay="0"/>
+                            </p:stCondLst>
+                            <p:childTnLst>
+                              <p:par>
+                                <p:cTn id="45" presetID="10" presetClass="entr" presetSubtype="0" fill="hold" nodeType="clickEffect">
+                                  <p:stCondLst>
+                                    <p:cond delay="0"/>
+                                  </p:stCondLst>
+                                  <p:childTnLst>
+                                    <p:set>
+                                      <p:cBhvr>
+                                        <p:cTn id="46" dur="1" fill="hold">
+                                          <p:stCondLst>
+                                            <p:cond delay="0"/>
+                                          </p:stCondLst>
+                                        </p:cTn>
+                                        <p:tgtEl>
+                                          <p:spTgt spid="9"/>
+                                        </p:tgtEl>
+                                        <p:attrNameLst>
+                                          <p:attrName>style.visibility</p:attrName>
+                                        </p:attrNameLst>
+                                      </p:cBhvr>
+                                      <p:to>
+                                        <p:strVal val="visible"/>
+                                      </p:to>
+                                    </p:set>
+                                    <p:animEffect transition="in" filter="fade">
+                                      <p:cBhvr>
+                                        <p:cTn id="47" dur="500"/>
+                                        <p:tgtEl>
+                                          <p:spTgt spid="9"/>
+                                        </p:tgtEl>
+                                      </p:cBhvr>
+                                    </p:animEffect>
+                                  </p:childTnLst>
+                                </p:cTn>
+                              </p:par>
+                            </p:childTnLst>
+                          </p:cTn>
+                        </p:par>
+                      </p:childTnLst>
+                    </p:cTn>
+                  </p:par>
+                  <p:par>
+                    <p:cTn id="48" fill="hold">
+                      <p:stCondLst>
+                        <p:cond delay="indefinite"/>
+                      </p:stCondLst>
+                      <p:childTnLst>
+                        <p:par>
+                          <p:cTn id="49" fill="hold">
+                            <p:stCondLst>
+                              <p:cond delay="0"/>
+                            </p:stCondLst>
+                            <p:childTnLst>
+                              <p:par>
+                                <p:cTn id="50" presetID="10" presetClass="entr" presetSubtype="0" fill="hold" nodeType="clickEffect">
+                                  <p:stCondLst>
+                                    <p:cond delay="0"/>
+                                  </p:stCondLst>
+                                  <p:childTnLst>
+                                    <p:set>
+                                      <p:cBhvr>
+                                        <p:cTn id="51" dur="1" fill="hold">
+                                          <p:stCondLst>
+                                            <p:cond delay="0"/>
+                                          </p:stCondLst>
+                                        </p:cTn>
+                                        <p:tgtEl>
+                                          <p:spTgt spid="13"/>
+                                        </p:tgtEl>
+                                        <p:attrNameLst>
+                                          <p:attrName>style.visibility</p:attrName>
+                                        </p:attrNameLst>
+                                      </p:cBhvr>
+                                      <p:to>
+                                        <p:strVal val="visible"/>
+                                      </p:to>
+                                    </p:set>
+                                    <p:animEffect transition="in" filter="fade">
+                                      <p:cBhvr>
+                                        <p:cTn id="52" dur="500"/>
+                                        <p:tgtEl>
+                                          <p:spTgt spid="13"/>
+                                        </p:tgtEl>
+                                      </p:cBhvr>
+                                    </p:animEffect>
+                                  </p:childTnLst>
+                                </p:cTn>
+                              </p:par>
+                            </p:childTnLst>
+                          </p:cTn>
+                        </p:par>
+                      </p:childTnLst>
+                    </p:cTn>
+                  </p:par>
+                </p:childTnLst>
+              </p:cTn>
+              <p:prevCondLst>
+                <p:cond evt="onPrev" delay="0">
+                  <p:tgtEl>
+                    <p:sldTgt/>
+                  </p:tgtEl>
+                </p:cond>
+              </p:prevCondLst>
+              <p:nextCondLst>
+                <p:cond evt="onNext" delay="0">
+                  <p:tgtEl>
+                    <p:sldTgt/>
+                  </p:tgtEl>
+                </p:cond>
+              </p:nextCondLst>
+            </p:seq>
+          </p:childTnLst>
+        </p:cTn>
       </p:par>
     </p:tnLst>
   </p:timing>
@@ -3459,7 +4225,7 @@
           <a:p>
             <a:r>
               <a:rPr lang="en-US" dirty="0" smtClean="0"/>
-              <a:t>Summary</a:t>
+              <a:t>Task Runner - Gulp</a:t>
             </a:r>
             <a:endParaRPr lang="en-US" dirty="0"/>
           </a:p>
@@ -3480,13 +4246,269 @@
           <a:bodyPr/>
           <a:lstStyle/>
           <a:p>
+            <a:r>
+              <a:rPr lang="en-US" dirty="0" smtClean="0"/>
+              <a:t>Grunt is declarative</a:t>
+            </a:r>
+          </a:p>
+          <a:p>
+            <a:r>
+              <a:rPr lang="en-US" dirty="0" smtClean="0"/>
+              <a:t>Gulp is imperative</a:t>
+            </a:r>
+          </a:p>
+          <a:p>
+            <a:r>
+              <a:rPr lang="en-US" dirty="0" smtClean="0"/>
+              <a:t>Installation</a:t>
+            </a:r>
+          </a:p>
+          <a:p>
+            <a:pPr lvl="1"/>
+            <a:r>
+              <a:rPr lang="en-US" dirty="0" err="1"/>
+              <a:t>n</a:t>
+            </a:r>
+            <a:r>
+              <a:rPr lang="en-US" dirty="0" err="1" smtClean="0"/>
+              <a:t>pm</a:t>
+            </a:r>
+            <a:r>
+              <a:rPr lang="en-US" dirty="0" smtClean="0"/>
+              <a:t> install –g gulp</a:t>
+            </a:r>
+          </a:p>
+          <a:p>
+            <a:pPr lvl="1"/>
+            <a:r>
+              <a:rPr lang="en-US" dirty="0" err="1"/>
+              <a:t>n</a:t>
+            </a:r>
+            <a:r>
+              <a:rPr lang="en-US" dirty="0" err="1" smtClean="0"/>
+              <a:t>pm</a:t>
+            </a:r>
+            <a:r>
+              <a:rPr lang="en-US" dirty="0" smtClean="0"/>
+              <a:t> install gulp –save-</a:t>
+            </a:r>
+            <a:r>
+              <a:rPr lang="en-US" dirty="0" err="1" smtClean="0"/>
+              <a:t>dev</a:t>
+            </a:r>
             <a:endParaRPr lang="en-US" dirty="0"/>
           </a:p>
         </p:txBody>
       </p:sp>
       <p:pic>
         <p:nvPicPr>
-          <p:cNvPr id="4" name="Picture 2" descr="http://angularjs.org/img/AngularJS-large.png"/>
+          <p:cNvPr id="4" name="Picture 4" descr="https://raw2.github.com/gulpjs/artwork/master/gulp-2x.png"/>
+          <p:cNvPicPr>
+            <a:picLocks noChangeAspect="1" noChangeArrowheads="1"/>
+          </p:cNvPicPr>
+          <p:nvPr/>
+        </p:nvPicPr>
+        <p:blipFill>
+          <a:blip r:embed="rId2" cstate="print">
+            <a:extLst>
+              <a:ext uri="{28A0092B-C50C-407E-A947-70E740481C1C}">
+                <a14:useLocalDpi xmlns:a14="http://schemas.microsoft.com/office/drawing/2010/main" val="0"/>
+              </a:ext>
+            </a:extLst>
+          </a:blip>
+          <a:srcRect/>
+          <a:stretch>
+            <a:fillRect/>
+          </a:stretch>
+        </p:blipFill>
+        <p:spPr bwMode="auto">
+          <a:xfrm>
+            <a:off x="7162800" y="1676400"/>
+            <a:ext cx="1346175" cy="3034799"/>
+          </a:xfrm>
+          <a:prstGeom prst="rect">
+            <a:avLst/>
+          </a:prstGeom>
+          <a:noFill/>
+          <a:extLst>
+            <a:ext uri="{909E8E84-426E-40DD-AFC4-6F175D3DCCD1}">
+              <a14:hiddenFill xmlns:a14="http://schemas.microsoft.com/office/drawing/2010/main">
+                <a:solidFill>
+                  <a:srgbClr val="FFFFFF"/>
+                </a:solidFill>
+              </a14:hiddenFill>
+            </a:ext>
+          </a:extLst>
+        </p:spPr>
+      </p:pic>
+    </p:spTree>
+    <p:extLst>
+      <p:ext uri="{BB962C8B-B14F-4D97-AF65-F5344CB8AC3E}">
+        <p14:creationId xmlns:p14="http://schemas.microsoft.com/office/powerpoint/2010/main" val="3437097293"/>
+      </p:ext>
+    </p:extLst>
+  </p:cSld>
+  <p:clrMapOvr>
+    <a:masterClrMapping/>
+  </p:clrMapOvr>
+  <p:transition>
+    <p:fade/>
+  </p:transition>
+  <p:timing>
+    <p:tnLst>
+      <p:par>
+        <p:cTn id="1" dur="indefinite" restart="never" nodeType="tmRoot"/>
+      </p:par>
+    </p:tnLst>
+  </p:timing>
+</p:sld>
+</file>
+
+<file path=ppt/slides/slide17.xml><?xml version="1.0" encoding="utf-8"?>
+<p:sld xmlns:a="http://schemas.openxmlformats.org/drawingml/2006/main" xmlns:r="http://schemas.openxmlformats.org/officeDocument/2006/relationships" xmlns:p="http://schemas.openxmlformats.org/presentationml/2006/main">
+  <p:cSld>
+    <p:spTree>
+      <p:nvGrpSpPr>
+        <p:cNvPr id="1" name=""/>
+        <p:cNvGrpSpPr/>
+        <p:nvPr/>
+      </p:nvGrpSpPr>
+      <p:grpSpPr>
+        <a:xfrm>
+          <a:off x="0" y="0"/>
+          <a:ext cx="0" cy="0"/>
+          <a:chOff x="0" y="0"/>
+          <a:chExt cx="0" cy="0"/>
+        </a:xfrm>
+      </p:grpSpPr>
+      <p:sp>
+        <p:nvSpPr>
+          <p:cNvPr id="2" name="Title 1"/>
+          <p:cNvSpPr>
+            <a:spLocks noGrp="1"/>
+          </p:cNvSpPr>
+          <p:nvPr>
+            <p:ph type="title"/>
+          </p:nvPr>
+        </p:nvSpPr>
+        <p:spPr/>
+        <p:txBody>
+          <a:bodyPr/>
+          <a:lstStyle/>
+          <a:p>
+            <a:endParaRPr lang="en-US"/>
+          </a:p>
+        </p:txBody>
+      </p:sp>
+      <p:sp>
+        <p:nvSpPr>
+          <p:cNvPr id="3" name="Text Placeholder 2"/>
+          <p:cNvSpPr>
+            <a:spLocks noGrp="1"/>
+          </p:cNvSpPr>
+          <p:nvPr>
+            <p:ph type="body" idx="1"/>
+          </p:nvPr>
+        </p:nvSpPr>
+        <p:spPr/>
+        <p:txBody>
+          <a:bodyPr/>
+          <a:lstStyle/>
+          <a:p>
+            <a:endParaRPr lang="en-US"/>
+          </a:p>
+        </p:txBody>
+      </p:sp>
+      <p:pic>
+        <p:nvPicPr>
+          <p:cNvPr id="4" name="Picture 3"/>
+          <p:cNvPicPr>
+            <a:picLocks noChangeAspect="1"/>
+          </p:cNvPicPr>
+          <p:nvPr/>
+        </p:nvPicPr>
+        <p:blipFill>
+          <a:blip r:embed="rId2"/>
+          <a:stretch>
+            <a:fillRect/>
+          </a:stretch>
+        </p:blipFill>
+        <p:spPr>
+          <a:xfrm>
+            <a:off x="781050" y="329588"/>
+            <a:ext cx="7905750" cy="6067425"/>
+          </a:xfrm>
+          <a:prstGeom prst="rect">
+            <a:avLst/>
+          </a:prstGeom>
+        </p:spPr>
+      </p:pic>
+    </p:spTree>
+    <p:extLst>
+      <p:ext uri="{BB962C8B-B14F-4D97-AF65-F5344CB8AC3E}">
+        <p14:creationId xmlns:p14="http://schemas.microsoft.com/office/powerpoint/2010/main" val="49476903"/>
+      </p:ext>
+    </p:extLst>
+  </p:cSld>
+  <p:clrMapOvr>
+    <a:masterClrMapping/>
+  </p:clrMapOvr>
+  <p:transition>
+    <p:fade/>
+  </p:transition>
+  <p:timing>
+    <p:tnLst>
+      <p:par>
+        <p:cTn id="1" dur="indefinite" restart="never" nodeType="tmRoot"/>
+      </p:par>
+    </p:tnLst>
+  </p:timing>
+</p:sld>
+</file>
+
+<file path=ppt/slides/slide18.xml><?xml version="1.0" encoding="utf-8"?>
+<p:sld xmlns:a="http://schemas.openxmlformats.org/drawingml/2006/main" xmlns:r="http://schemas.openxmlformats.org/officeDocument/2006/relationships" xmlns:p="http://schemas.openxmlformats.org/presentationml/2006/main">
+  <p:cSld>
+    <p:spTree>
+      <p:nvGrpSpPr>
+        <p:cNvPr id="1" name=""/>
+        <p:cNvGrpSpPr/>
+        <p:nvPr/>
+      </p:nvGrpSpPr>
+      <p:grpSpPr>
+        <a:xfrm>
+          <a:off x="0" y="0"/>
+          <a:ext cx="0" cy="0"/>
+          <a:chOff x="0" y="0"/>
+          <a:chExt cx="0" cy="0"/>
+        </a:xfrm>
+      </p:grpSpPr>
+      <p:sp>
+        <p:nvSpPr>
+          <p:cNvPr id="2" name="Title 1"/>
+          <p:cNvSpPr>
+            <a:spLocks noGrp="1"/>
+          </p:cNvSpPr>
+          <p:nvPr>
+            <p:ph type="title"/>
+          </p:nvPr>
+        </p:nvSpPr>
+        <p:spPr/>
+        <p:txBody>
+          <a:bodyPr/>
+          <a:lstStyle/>
+          <a:p>
+            <a:r>
+              <a:rPr lang="en-US" dirty="0" smtClean="0"/>
+              <a:t>Yeoman</a:t>
+            </a:r>
+            <a:endParaRPr lang="en-US" dirty="0"/>
+          </a:p>
+        </p:txBody>
+      </p:sp>
+      <p:pic>
+        <p:nvPicPr>
+          <p:cNvPr id="1026" name="Picture 2" descr="Yeoman"/>
           <p:cNvPicPr>
             <a:picLocks noChangeAspect="1" noChangeArrowheads="1"/>
           </p:cNvPicPr>
@@ -3507,8 +4529,8 @@
         </p:blipFill>
         <p:spPr bwMode="auto">
           <a:xfrm>
-            <a:off x="2747964" y="4419602"/>
-            <a:ext cx="3648075" cy="1028701"/>
+            <a:off x="1262062" y="1905000"/>
+            <a:ext cx="6619875" cy="2981326"/>
           </a:xfrm>
           <a:prstGeom prst="rect">
             <a:avLst/>
@@ -3528,7 +4550,156 @@
     </p:spTree>
     <p:extLst>
       <p:ext uri="{BB962C8B-B14F-4D97-AF65-F5344CB8AC3E}">
-        <p14:creationId xmlns:p14="http://schemas.microsoft.com/office/powerpoint/2010/main" val="711588167"/>
+        <p14:creationId xmlns:p14="http://schemas.microsoft.com/office/powerpoint/2010/main" val="3551366680"/>
+      </p:ext>
+    </p:extLst>
+  </p:cSld>
+  <p:clrMapOvr>
+    <a:masterClrMapping/>
+  </p:clrMapOvr>
+  <p:transition>
+    <p:fade/>
+  </p:transition>
+  <p:timing>
+    <p:tnLst>
+      <p:par>
+        <p:cTn id="1" dur="indefinite" restart="never" nodeType="tmRoot"/>
+      </p:par>
+    </p:tnLst>
+  </p:timing>
+</p:sld>
+</file>
+
+<file path=ppt/slides/slide19.xml><?xml version="1.0" encoding="utf-8"?>
+<p:sld xmlns:a="http://schemas.openxmlformats.org/drawingml/2006/main" xmlns:r="http://schemas.openxmlformats.org/officeDocument/2006/relationships" xmlns:p="http://schemas.openxmlformats.org/presentationml/2006/main">
+  <p:cSld>
+    <p:spTree>
+      <p:nvGrpSpPr>
+        <p:cNvPr id="1" name=""/>
+        <p:cNvGrpSpPr/>
+        <p:nvPr/>
+      </p:nvGrpSpPr>
+      <p:grpSpPr>
+        <a:xfrm>
+          <a:off x="0" y="0"/>
+          <a:ext cx="0" cy="0"/>
+          <a:chOff x="0" y="0"/>
+          <a:chExt cx="0" cy="0"/>
+        </a:xfrm>
+      </p:grpSpPr>
+      <p:sp>
+        <p:nvSpPr>
+          <p:cNvPr id="2" name="Title 1"/>
+          <p:cNvSpPr>
+            <a:spLocks noGrp="1"/>
+          </p:cNvSpPr>
+          <p:nvPr>
+            <p:ph type="title"/>
+          </p:nvPr>
+        </p:nvSpPr>
+        <p:spPr/>
+        <p:txBody>
+          <a:bodyPr/>
+          <a:lstStyle/>
+          <a:p>
+            <a:r>
+              <a:rPr lang="en-US" dirty="0" smtClean="0"/>
+              <a:t>Yeoman Generators</a:t>
+            </a:r>
+            <a:endParaRPr lang="en-US" dirty="0"/>
+          </a:p>
+        </p:txBody>
+      </p:sp>
+      <p:sp>
+        <p:nvSpPr>
+          <p:cNvPr id="3" name="Text Placeholder 2"/>
+          <p:cNvSpPr>
+            <a:spLocks noGrp="1"/>
+          </p:cNvSpPr>
+          <p:nvPr>
+            <p:ph type="body" idx="1"/>
+          </p:nvPr>
+        </p:nvSpPr>
+        <p:spPr/>
+        <p:txBody>
+          <a:bodyPr/>
+          <a:lstStyle/>
+          <a:p>
+            <a:r>
+              <a:rPr lang="en-US" dirty="0" err="1"/>
+              <a:t>g</a:t>
+            </a:r>
+            <a:r>
+              <a:rPr lang="en-US" dirty="0" err="1" smtClean="0"/>
+              <a:t>runtfile</a:t>
+            </a:r>
+            <a:endParaRPr lang="en-US" dirty="0" smtClean="0"/>
+          </a:p>
+          <a:p>
+            <a:r>
+              <a:rPr lang="en-US" dirty="0" smtClean="0"/>
+              <a:t>jasmine</a:t>
+            </a:r>
+          </a:p>
+          <a:p>
+            <a:r>
+              <a:rPr lang="en-US" dirty="0" smtClean="0"/>
+              <a:t>karma</a:t>
+            </a:r>
+          </a:p>
+          <a:p>
+            <a:r>
+              <a:rPr lang="en-US" dirty="0" smtClean="0"/>
+              <a:t>angular</a:t>
+            </a:r>
+          </a:p>
+          <a:p>
+            <a:pPr lvl="1"/>
+            <a:r>
+              <a:rPr lang="en-US" dirty="0" smtClean="0"/>
+              <a:t>:controller</a:t>
+            </a:r>
+          </a:p>
+          <a:p>
+            <a:pPr lvl="1"/>
+            <a:r>
+              <a:rPr lang="en-US" dirty="0" smtClean="0"/>
+              <a:t>:filter</a:t>
+            </a:r>
+          </a:p>
+          <a:p>
+            <a:pPr lvl="1"/>
+            <a:r>
+              <a:rPr lang="en-US" dirty="0" smtClean="0"/>
+              <a:t>:factory</a:t>
+            </a:r>
+          </a:p>
+          <a:p>
+            <a:pPr lvl="1"/>
+            <a:r>
+              <a:rPr lang="en-US" dirty="0" smtClean="0"/>
+              <a:t>:directive</a:t>
+            </a:r>
+          </a:p>
+          <a:p>
+            <a:pPr lvl="1"/>
+            <a:endParaRPr lang="en-US" dirty="0" smtClean="0"/>
+          </a:p>
+          <a:p>
+            <a:endParaRPr lang="en-US" dirty="0" smtClean="0"/>
+          </a:p>
+          <a:p>
+            <a:endParaRPr lang="en-US" dirty="0" smtClean="0"/>
+          </a:p>
+          <a:p>
+            <a:endParaRPr lang="en-US" dirty="0"/>
+          </a:p>
+        </p:txBody>
+      </p:sp>
+    </p:spTree>
+    <p:extLst>
+      <p:ext uri="{BB962C8B-B14F-4D97-AF65-F5344CB8AC3E}">
+        <p14:creationId xmlns:p14="http://schemas.microsoft.com/office/powerpoint/2010/main" val="1676040340"/>
       </p:ext>
     </p:extLst>
   </p:cSld>
@@ -3611,7 +4782,7 @@
         </p:blipFill>
         <p:spPr bwMode="auto">
           <a:xfrm>
-            <a:off x="1371600" y="1676400"/>
+            <a:off x="1515872" y="1600200"/>
             <a:ext cx="6112255" cy="3581400"/>
           </a:xfrm>
           <a:prstGeom prst="rect">
@@ -3633,6 +4804,180 @@
     <p:extLst>
       <p:ext uri="{BB962C8B-B14F-4D97-AF65-F5344CB8AC3E}">
         <p14:creationId xmlns:p14="http://schemas.microsoft.com/office/powerpoint/2010/main" val="353485908"/>
+      </p:ext>
+    </p:extLst>
+  </p:cSld>
+  <p:clrMapOvr>
+    <a:masterClrMapping/>
+  </p:clrMapOvr>
+  <p:transition>
+    <p:fade/>
+  </p:transition>
+  <p:timing>
+    <p:tnLst>
+      <p:par>
+        <p:cTn id="1" dur="indefinite" restart="never" nodeType="tmRoot"/>
+      </p:par>
+    </p:tnLst>
+  </p:timing>
+</p:sld>
+</file>
+
+<file path=ppt/slides/slide20.xml><?xml version="1.0" encoding="utf-8"?>
+<p:sld xmlns:a="http://schemas.openxmlformats.org/drawingml/2006/main" xmlns:r="http://schemas.openxmlformats.org/officeDocument/2006/relationships" xmlns:p="http://schemas.openxmlformats.org/presentationml/2006/main">
+  <p:cSld>
+    <p:spTree>
+      <p:nvGrpSpPr>
+        <p:cNvPr id="1" name=""/>
+        <p:cNvGrpSpPr/>
+        <p:nvPr/>
+      </p:nvGrpSpPr>
+      <p:grpSpPr>
+        <a:xfrm>
+          <a:off x="0" y="0"/>
+          <a:ext cx="0" cy="0"/>
+          <a:chOff x="0" y="0"/>
+          <a:chExt cx="0" cy="0"/>
+        </a:xfrm>
+      </p:grpSpPr>
+      <p:sp>
+        <p:nvSpPr>
+          <p:cNvPr id="2" name="Title 1"/>
+          <p:cNvSpPr>
+            <a:spLocks noGrp="1"/>
+          </p:cNvSpPr>
+          <p:nvPr>
+            <p:ph type="title"/>
+          </p:nvPr>
+        </p:nvSpPr>
+        <p:spPr/>
+        <p:txBody>
+          <a:bodyPr/>
+          <a:lstStyle/>
+          <a:p>
+            <a:r>
+              <a:rPr lang="en-US" dirty="0" err="1" smtClean="0"/>
+              <a:t>Traceur</a:t>
+            </a:r>
+            <a:endParaRPr lang="en-US" dirty="0"/>
+          </a:p>
+        </p:txBody>
+      </p:sp>
+      <p:pic>
+        <p:nvPicPr>
+          <p:cNvPr id="4" name="Picture 3"/>
+          <p:cNvPicPr>
+            <a:picLocks noChangeAspect="1"/>
+          </p:cNvPicPr>
+          <p:nvPr/>
+        </p:nvPicPr>
+        <p:blipFill>
+          <a:blip r:embed="rId2"/>
+          <a:stretch>
+            <a:fillRect/>
+          </a:stretch>
+        </p:blipFill>
+        <p:spPr>
+          <a:xfrm>
+            <a:off x="657225" y="1447800"/>
+            <a:ext cx="7829550" cy="4210050"/>
+          </a:xfrm>
+          <a:prstGeom prst="rect">
+            <a:avLst/>
+          </a:prstGeom>
+        </p:spPr>
+      </p:pic>
+    </p:spTree>
+    <p:extLst>
+      <p:ext uri="{BB962C8B-B14F-4D97-AF65-F5344CB8AC3E}">
+        <p14:creationId xmlns:p14="http://schemas.microsoft.com/office/powerpoint/2010/main" val="2308834609"/>
+      </p:ext>
+    </p:extLst>
+  </p:cSld>
+  <p:clrMapOvr>
+    <a:masterClrMapping/>
+  </p:clrMapOvr>
+  <p:transition>
+    <p:fade/>
+  </p:transition>
+  <p:timing>
+    <p:tnLst>
+      <p:par>
+        <p:cTn id="1" dur="indefinite" restart="never" nodeType="tmRoot"/>
+      </p:par>
+    </p:tnLst>
+  </p:timing>
+</p:sld>
+</file>
+
+<file path=ppt/slides/slide21.xml><?xml version="1.0" encoding="utf-8"?>
+<p:sld xmlns:a="http://schemas.openxmlformats.org/drawingml/2006/main" xmlns:r="http://schemas.openxmlformats.org/officeDocument/2006/relationships" xmlns:p="http://schemas.openxmlformats.org/presentationml/2006/main">
+  <p:cSld>
+    <p:spTree>
+      <p:nvGrpSpPr>
+        <p:cNvPr id="1" name=""/>
+        <p:cNvGrpSpPr/>
+        <p:nvPr/>
+      </p:nvGrpSpPr>
+      <p:grpSpPr>
+        <a:xfrm>
+          <a:off x="0" y="0"/>
+          <a:ext cx="0" cy="0"/>
+          <a:chOff x="0" y="0"/>
+          <a:chExt cx="0" cy="0"/>
+        </a:xfrm>
+      </p:grpSpPr>
+      <p:sp>
+        <p:nvSpPr>
+          <p:cNvPr id="2" name="Title 1"/>
+          <p:cNvSpPr>
+            <a:spLocks noGrp="1"/>
+          </p:cNvSpPr>
+          <p:nvPr>
+            <p:ph type="title"/>
+          </p:nvPr>
+        </p:nvSpPr>
+        <p:spPr/>
+        <p:txBody>
+          <a:bodyPr/>
+          <a:lstStyle/>
+          <a:p>
+            <a:r>
+              <a:rPr lang="en-US" dirty="0" smtClean="0"/>
+              <a:t>Summary</a:t>
+            </a:r>
+            <a:endParaRPr lang="en-US" dirty="0"/>
+          </a:p>
+        </p:txBody>
+      </p:sp>
+      <p:pic>
+        <p:nvPicPr>
+          <p:cNvPr id="5" name="Picture 4"/>
+          <p:cNvPicPr>
+            <a:picLocks noChangeAspect="1"/>
+          </p:cNvPicPr>
+          <p:nvPr/>
+        </p:nvPicPr>
+        <p:blipFill>
+          <a:blip r:embed="rId2"/>
+          <a:stretch>
+            <a:fillRect/>
+          </a:stretch>
+        </p:blipFill>
+        <p:spPr>
+          <a:xfrm>
+            <a:off x="404812" y="1219200"/>
+            <a:ext cx="8334375" cy="4191000"/>
+          </a:xfrm>
+          <a:prstGeom prst="rect">
+            <a:avLst/>
+          </a:prstGeom>
+        </p:spPr>
+      </p:pic>
+    </p:spTree>
+    <p:extLst>
+      <p:ext uri="{BB962C8B-B14F-4D97-AF65-F5344CB8AC3E}">
+        <p14:creationId xmlns:p14="http://schemas.microsoft.com/office/powerpoint/2010/main" val="711588167"/>
       </p:ext>
     </p:extLst>
   </p:cSld>
@@ -4127,7 +5472,7 @@
             </a:r>
             <a:r>
               <a:rPr lang="en-US" dirty="0" smtClean="0"/>
-              <a:t> – what?</a:t>
+              <a:t> – where?</a:t>
             </a:r>
             <a:endParaRPr lang="en-US" dirty="0"/>
           </a:p>
@@ -4148,13 +5493,13 @@
           <a:bodyPr/>
           <a:lstStyle/>
           <a:p>
-            <a:endParaRPr lang="en-US" dirty="0"/>
+            <a:endParaRPr lang="en-US"/>
           </a:p>
         </p:txBody>
       </p:sp>
       <p:pic>
         <p:nvPicPr>
-          <p:cNvPr id="5" name="Picture 4"/>
+          <p:cNvPr id="4" name="Picture 3"/>
           <p:cNvPicPr>
             <a:picLocks noChangeAspect="1"/>
           </p:cNvPicPr>
@@ -4168,8 +5513,8 @@
         </p:blipFill>
         <p:spPr>
           <a:xfrm>
-            <a:off x="1905000" y="1066800"/>
-            <a:ext cx="5753100" cy="5181600"/>
+            <a:off x="1538287" y="1447800"/>
+            <a:ext cx="6067425" cy="3486150"/>
           </a:xfrm>
           <a:prstGeom prst="rect">
             <a:avLst/>
@@ -4179,7 +5524,7 @@
     </p:spTree>
     <p:extLst>
       <p:ext uri="{BB962C8B-B14F-4D97-AF65-F5344CB8AC3E}">
-        <p14:creationId xmlns:p14="http://schemas.microsoft.com/office/powerpoint/2010/main" val="2927128449"/>
+        <p14:creationId xmlns:p14="http://schemas.microsoft.com/office/powerpoint/2010/main" val="2131589552"/>
       </p:ext>
     </p:extLst>
   </p:cSld>
@@ -4192,83 +5537,7 @@
   <p:timing>
     <p:tnLst>
       <p:par>
-        <p:cTn id="1" dur="indefinite" restart="never" nodeType="tmRoot">
-          <p:childTnLst>
-            <p:seq concurrent="1" nextAc="seek">
-              <p:cTn id="2" dur="indefinite" nodeType="mainSeq">
-                <p:childTnLst>
-                  <p:par>
-                    <p:cTn id="3" fill="hold">
-                      <p:stCondLst>
-                        <p:cond delay="indefinite"/>
-                      </p:stCondLst>
-                      <p:childTnLst>
-                        <p:par>
-                          <p:cTn id="4" fill="hold">
-                            <p:stCondLst>
-                              <p:cond delay="0"/>
-                            </p:stCondLst>
-                            <p:childTnLst>
-                              <p:par>
-                                <p:cTn id="5" presetID="10" presetClass="entr" presetSubtype="0" fill="hold" nodeType="clickEffect">
-                                  <p:stCondLst>
-                                    <p:cond delay="0"/>
-                                  </p:stCondLst>
-                                  <p:childTnLst>
-                                    <p:set>
-                                      <p:cBhvr>
-                                        <p:cTn id="6" dur="1" fill="hold">
-                                          <p:stCondLst>
-                                            <p:cond delay="0"/>
-                                          </p:stCondLst>
-                                        </p:cTn>
-                                        <p:tgtEl>
-                                          <p:spTgt spid="5"/>
-                                        </p:tgtEl>
-                                        <p:attrNameLst>
-                                          <p:attrName>style.visibility</p:attrName>
-                                        </p:attrNameLst>
-                                      </p:cBhvr>
-                                      <p:to>
-                                        <p:strVal val="visible"/>
-                                      </p:to>
-                                    </p:set>
-                                    <p:animEffect transition="in" filter="fade">
-                                      <p:cBhvr>
-                                        <p:cTn id="7" dur="500"/>
-                                        <p:tgtEl>
-                                          <p:spTgt spid="5"/>
-                                        </p:tgtEl>
-                                      </p:cBhvr>
-                                    </p:animEffect>
-                                  </p:childTnLst>
-                                </p:cTn>
-                              </p:par>
-                            </p:childTnLst>
-                          </p:cTn>
-                        </p:par>
-                      </p:childTnLst>
-                    </p:cTn>
-                  </p:par>
-                </p:childTnLst>
-              </p:cTn>
-              <p:prevCondLst>
-                <p:cond evt="onPrev" delay="0">
-                  <p:tgtEl>
-                    <p:sldTgt/>
-                  </p:tgtEl>
-                </p:cond>
-              </p:prevCondLst>
-              <p:nextCondLst>
-                <p:cond evt="onNext" delay="0">
-                  <p:tgtEl>
-                    <p:sldTgt/>
-                  </p:tgtEl>
-                </p:cond>
-              </p:nextCondLst>
-            </p:seq>
-          </p:childTnLst>
-        </p:cTn>
+        <p:cTn id="1" dur="indefinite" restart="never" nodeType="tmRoot"/>
       </p:par>
     </p:tnLst>
   </p:timing>
@@ -4317,28 +5586,13 @@
             </a:r>
             <a:r>
               <a:rPr lang="en-US" dirty="0" smtClean="0"/>
-              <a:t> – where?</a:t>
+              <a:t> – </a:t>
+            </a:r>
+            <a:r>
+              <a:rPr lang="en-US" dirty="0" smtClean="0"/>
+              <a:t>cli</a:t>
             </a:r>
             <a:endParaRPr lang="en-US" dirty="0"/>
-          </a:p>
-        </p:txBody>
-      </p:sp>
-      <p:sp>
-        <p:nvSpPr>
-          <p:cNvPr id="3" name="Text Placeholder 2"/>
-          <p:cNvSpPr>
-            <a:spLocks noGrp="1"/>
-          </p:cNvSpPr>
-          <p:nvPr>
-            <p:ph type="body" idx="1"/>
-          </p:nvPr>
-        </p:nvSpPr>
-        <p:spPr/>
-        <p:txBody>
-          <a:bodyPr/>
-          <a:lstStyle/>
-          <a:p>
-            <a:endParaRPr lang="en-US"/>
           </a:p>
         </p:txBody>
       </p:sp>
@@ -4358,8 +5612,8 @@
         </p:blipFill>
         <p:spPr>
           <a:xfrm>
-            <a:off x="1538287" y="1447800"/>
-            <a:ext cx="6067425" cy="3486150"/>
+            <a:off x="1423987" y="1771650"/>
+            <a:ext cx="6296025" cy="3314700"/>
           </a:xfrm>
           <a:prstGeom prst="rect">
             <a:avLst/>
@@ -4369,7 +5623,7 @@
     </p:spTree>
     <p:extLst>
       <p:ext uri="{BB962C8B-B14F-4D97-AF65-F5344CB8AC3E}">
-        <p14:creationId xmlns:p14="http://schemas.microsoft.com/office/powerpoint/2010/main" val="2131589552"/>
+        <p14:creationId xmlns:p14="http://schemas.microsoft.com/office/powerpoint/2010/main" val="2927128449"/>
       </p:ext>
     </p:extLst>
   </p:cSld>
@@ -4626,25 +5880,6 @@
               <a:t>Package Manager: Bower</a:t>
             </a:r>
             <a:endParaRPr lang="en-US" dirty="0"/>
-          </a:p>
-        </p:txBody>
-      </p:sp>
-      <p:sp>
-        <p:nvSpPr>
-          <p:cNvPr id="3" name="Text Placeholder 2"/>
-          <p:cNvSpPr>
-            <a:spLocks noGrp="1"/>
-          </p:cNvSpPr>
-          <p:nvPr>
-            <p:ph type="body" idx="1"/>
-          </p:nvPr>
-        </p:nvSpPr>
-        <p:spPr/>
-        <p:txBody>
-          <a:bodyPr/>
-          <a:lstStyle/>
-          <a:p>
-            <a:endParaRPr lang="en-US"/>
           </a:p>
         </p:txBody>
       </p:sp>
